--- a/Design Reflections.pptx
+++ b/Design Reflections.pptx
@@ -2,29 +2,28 @@
 <file path=ppt/presentation.xml><?xml version="1.0" encoding="utf-8"?>
 <p:presentation xmlns:a="http://schemas.openxmlformats.org/drawingml/2006/main" xmlns:r="http://schemas.openxmlformats.org/officeDocument/2006/relationships" xmlns:p="http://schemas.openxmlformats.org/presentationml/2006/main" embedTrueTypeFonts="1" saveSubsetFonts="1">
   <p:sldMasterIdLst>
-    <p:sldMasterId id="2147483885" r:id="rId1"/>
-    <p:sldMasterId id="2147483893" r:id="rId2"/>
+    <p:sldMasterId id="2147483900" r:id="rId1"/>
   </p:sldMasterIdLst>
   <p:notesMasterIdLst>
-    <p:notesMasterId r:id="rId6"/>
+    <p:notesMasterId r:id="rId5"/>
   </p:notesMasterIdLst>
   <p:handoutMasterIdLst>
-    <p:handoutMasterId r:id="rId7"/>
+    <p:handoutMasterId r:id="rId6"/>
   </p:handoutMasterIdLst>
   <p:sldIdLst>
-    <p:sldId id="320" r:id="rId3"/>
-    <p:sldId id="321" r:id="rId4"/>
-    <p:sldId id="323" r:id="rId5"/>
+    <p:sldId id="320" r:id="rId2"/>
+    <p:sldId id="321" r:id="rId3"/>
+    <p:sldId id="323" r:id="rId4"/>
   </p:sldIdLst>
-  <p:sldSz cx="9144000" cy="6858000" type="screen4x3"/>
+  <p:sldSz cx="12192000" cy="6858000"/>
   <p:notesSz cx="6858000" cy="9296400"/>
   <p:embeddedFontLst>
     <p:embeddedFont>
       <p:font typeface="Candara" panose="020E0502030303020204" pitchFamily="34" charset="0"/>
-      <p:regular r:id="rId8"/>
-      <p:bold r:id="rId9"/>
-      <p:italic r:id="rId10"/>
-      <p:boldItalic r:id="rId11"/>
+      <p:regular r:id="rId7"/>
+      <p:bold r:id="rId8"/>
+      <p:italic r:id="rId9"/>
+      <p:boldItalic r:id="rId10"/>
     </p:embeddedFont>
   </p:embeddedFontLst>
   <p:defaultTextStyle>
@@ -595,35 +594,35 @@
           <a:p>
             <a:pPr lvl="0"/>
             <a:r>
-              <a:rPr lang="en-US" smtClean="0"/>
+              <a:rPr lang="en-US"/>
               <a:t>Click to edit Master text styles</a:t>
             </a:r>
           </a:p>
           <a:p>
             <a:pPr lvl="1"/>
             <a:r>
-              <a:rPr lang="en-US" smtClean="0"/>
+              <a:rPr lang="en-US"/>
               <a:t>Second level</a:t>
             </a:r>
           </a:p>
           <a:p>
             <a:pPr lvl="2"/>
             <a:r>
-              <a:rPr lang="en-US" smtClean="0"/>
+              <a:rPr lang="en-US"/>
               <a:t>Third level</a:t>
             </a:r>
           </a:p>
           <a:p>
             <a:pPr lvl="3"/>
             <a:r>
-              <a:rPr lang="en-US" smtClean="0"/>
+              <a:rPr lang="en-US"/>
               <a:t>Fourth level</a:t>
             </a:r>
           </a:p>
           <a:p>
             <a:pPr lvl="4"/>
             <a:r>
-              <a:rPr lang="en-US" smtClean="0"/>
+              <a:rPr lang="en-US"/>
               <a:t>Fifth level</a:t>
             </a:r>
           </a:p>
@@ -840,7 +839,7 @@
         <p:spPr>
           <a:xfrm>
             <a:off x="3352800" y="5029200"/>
-            <a:ext cx="3962400" cy="1143000"/>
+            <a:ext cx="7370618" cy="1143000"/>
           </a:xfrm>
         </p:spPr>
         <p:txBody>
@@ -854,10 +853,10 @@
           </a:lstStyle>
           <a:p>
             <a:r>
-              <a:rPr lang="en-US" smtClean="0"/>
+              <a:rPr lang="en-US"/>
               <a:t>Click to edit Master subtitle style</a:t>
             </a:r>
-            <a:endParaRPr lang="es-HN"/>
+            <a:endParaRPr lang="es-HN" dirty="0"/>
           </a:p>
         </p:txBody>
       </p:sp>
@@ -965,7 +964,7 @@
         <p:spPr>
           <a:xfrm>
             <a:off x="1371600" y="990600"/>
-            <a:ext cx="7772400" cy="1470025"/>
+            <a:ext cx="9351818" cy="1470025"/>
           </a:xfrm>
           <a:ln w="9525"/>
         </p:spPr>
@@ -978,17 +977,16 @@
           </a:lstStyle>
           <a:p>
             <a:r>
-              <a:rPr lang="en-US" smtClean="0"/>
+              <a:rPr lang="en-US"/>
               <a:t>Click to edit Master title style</a:t>
             </a:r>
-            <a:endParaRPr lang="en-US"/>
           </a:p>
         </p:txBody>
       </p:sp>
     </p:spTree>
     <p:extLst>
       <p:ext uri="{BB962C8B-B14F-4D97-AF65-F5344CB8AC3E}">
-        <p14:creationId xmlns:p14="http://schemas.microsoft.com/office/powerpoint/2010/main" val="3452217778"/>
+        <p14:creationId xmlns:p14="http://schemas.microsoft.com/office/powerpoint/2010/main" val="3900400841"/>
       </p:ext>
     </p:extLst>
   </p:cSld>
@@ -998,17 +996,201 @@
   <p:transition>
     <p:fade/>
   </p:transition>
-  <p:timing>
-    <p:tnLst>
-      <p:par>
-        <p:cTn id="1" dur="indefinite" restart="never" nodeType="tmRoot"/>
-      </p:par>
-    </p:tnLst>
-  </p:timing>
 </p:sldLayout>
 </file>
 
-<file path=ppt/slideLayouts/slideLayout10.xml><?xml version="1.0" encoding="utf-8"?>
+<file path=ppt/slideLayouts/slideLayout2.xml><?xml version="1.0" encoding="utf-8"?>
+<p:sldLayout xmlns:a="http://schemas.openxmlformats.org/drawingml/2006/main" xmlns:r="http://schemas.openxmlformats.org/officeDocument/2006/relationships" xmlns:p="http://schemas.openxmlformats.org/presentationml/2006/main" type="obj" preserve="1">
+  <p:cSld name="Title and Content">
+    <p:spTree>
+      <p:nvGrpSpPr>
+        <p:cNvPr id="1" name=""/>
+        <p:cNvGrpSpPr/>
+        <p:nvPr/>
+      </p:nvGrpSpPr>
+      <p:grpSpPr>
+        <a:xfrm>
+          <a:off x="0" y="0"/>
+          <a:ext cx="0" cy="0"/>
+          <a:chOff x="0" y="0"/>
+          <a:chExt cx="0" cy="0"/>
+        </a:xfrm>
+      </p:grpSpPr>
+      <p:sp>
+        <p:nvSpPr>
+          <p:cNvPr id="2" name="Title 1"/>
+          <p:cNvSpPr>
+            <a:spLocks noGrp="1"/>
+          </p:cNvSpPr>
+          <p:nvPr>
+            <p:ph type="title"/>
+          </p:nvPr>
+        </p:nvSpPr>
+        <p:spPr/>
+        <p:txBody>
+          <a:bodyPr/>
+          <a:lstStyle/>
+          <a:p>
+            <a:r>
+              <a:rPr lang="en-US"/>
+              <a:t>Click to edit Master title style</a:t>
+            </a:r>
+          </a:p>
+        </p:txBody>
+      </p:sp>
+      <p:sp>
+        <p:nvSpPr>
+          <p:cNvPr id="3" name="Content Placeholder 2"/>
+          <p:cNvSpPr>
+            <a:spLocks noGrp="1"/>
+          </p:cNvSpPr>
+          <p:nvPr>
+            <p:ph idx="1"/>
+          </p:nvPr>
+        </p:nvSpPr>
+        <p:spPr/>
+        <p:txBody>
+          <a:bodyPr/>
+          <a:lstStyle/>
+          <a:p>
+            <a:pPr lvl="0"/>
+            <a:r>
+              <a:rPr lang="en-US"/>
+              <a:t>Click to edit Master text styles</a:t>
+            </a:r>
+          </a:p>
+          <a:p>
+            <a:pPr lvl="1"/>
+            <a:r>
+              <a:rPr lang="en-US"/>
+              <a:t>Second level</a:t>
+            </a:r>
+          </a:p>
+          <a:p>
+            <a:pPr lvl="2"/>
+            <a:r>
+              <a:rPr lang="en-US"/>
+              <a:t>Third level</a:t>
+            </a:r>
+          </a:p>
+          <a:p>
+            <a:pPr lvl="3"/>
+            <a:r>
+              <a:rPr lang="en-US"/>
+              <a:t>Fourth level</a:t>
+            </a:r>
+          </a:p>
+          <a:p>
+            <a:pPr lvl="4"/>
+            <a:r>
+              <a:rPr lang="en-US"/>
+              <a:t>Fifth level</a:t>
+            </a:r>
+          </a:p>
+        </p:txBody>
+      </p:sp>
+      <p:sp>
+        <p:nvSpPr>
+          <p:cNvPr id="4" name="Date Placeholder 3"/>
+          <p:cNvSpPr>
+            <a:spLocks noGrp="1"/>
+          </p:cNvSpPr>
+          <p:nvPr>
+            <p:ph type="dt" sz="half" idx="10"/>
+          </p:nvPr>
+        </p:nvSpPr>
+        <p:spPr/>
+        <p:txBody>
+          <a:bodyPr/>
+          <a:lstStyle>
+            <a:lvl1pPr>
+              <a:defRPr/>
+            </a:lvl1pPr>
+          </a:lstStyle>
+          <a:p>
+            <a:pPr>
+              <a:defRPr/>
+            </a:pPr>
+            <a:endParaRPr lang="en-US"/>
+          </a:p>
+        </p:txBody>
+      </p:sp>
+      <p:sp>
+        <p:nvSpPr>
+          <p:cNvPr id="5" name="Footer Placeholder 4"/>
+          <p:cNvSpPr>
+            <a:spLocks noGrp="1"/>
+          </p:cNvSpPr>
+          <p:nvPr>
+            <p:ph type="ftr" sz="quarter" idx="11"/>
+          </p:nvPr>
+        </p:nvSpPr>
+        <p:spPr/>
+        <p:txBody>
+          <a:bodyPr/>
+          <a:lstStyle>
+            <a:lvl1pPr>
+              <a:defRPr/>
+            </a:lvl1pPr>
+          </a:lstStyle>
+          <a:p>
+            <a:pPr>
+              <a:defRPr/>
+            </a:pPr>
+            <a:endParaRPr lang="en-US"/>
+          </a:p>
+        </p:txBody>
+      </p:sp>
+      <p:sp>
+        <p:nvSpPr>
+          <p:cNvPr id="6" name="Slide Number Placeholder 5"/>
+          <p:cNvSpPr>
+            <a:spLocks noGrp="1"/>
+          </p:cNvSpPr>
+          <p:nvPr>
+            <p:ph type="sldNum" sz="quarter" idx="12"/>
+          </p:nvPr>
+        </p:nvSpPr>
+        <p:spPr/>
+        <p:txBody>
+          <a:bodyPr/>
+          <a:lstStyle>
+            <a:lvl1pPr>
+              <a:defRPr/>
+            </a:lvl1pPr>
+          </a:lstStyle>
+          <a:p>
+            <a:pPr>
+              <a:defRPr/>
+            </a:pPr>
+            <a:fld id="{A30E648E-C3CE-4333-8AF7-2CD164047A77}" type="slidenum">
+              <a:rPr lang="en-US" smtClean="0"/>
+              <a:pPr>
+                <a:defRPr/>
+              </a:pPr>
+              <a:t>‹#›</a:t>
+            </a:fld>
+            <a:endParaRPr lang="en-US"/>
+          </a:p>
+        </p:txBody>
+      </p:sp>
+    </p:spTree>
+    <p:extLst>
+      <p:ext uri="{BB962C8B-B14F-4D97-AF65-F5344CB8AC3E}">
+        <p14:creationId xmlns:p14="http://schemas.microsoft.com/office/powerpoint/2010/main" val="2221890381"/>
+      </p:ext>
+    </p:extLst>
+  </p:cSld>
+  <p:clrMapOvr>
+    <a:masterClrMapping/>
+  </p:clrMapOvr>
+  <p:transition>
+    <p:fade/>
+  </p:transition>
+</p:sldLayout>
+</file>
+
+<file path=ppt/slideLayouts/slideLayout3.xml><?xml version="1.0" encoding="utf-8"?>
 <p:sldLayout xmlns:a="http://schemas.openxmlformats.org/drawingml/2006/main" xmlns:r="http://schemas.openxmlformats.org/officeDocument/2006/relationships" xmlns:p="http://schemas.openxmlformats.org/presentationml/2006/main" type="twoObj" preserve="1">
   <p:cSld name="Two Content">
     <p:spTree>
@@ -1041,10 +1223,9 @@
           <a:lstStyle/>
           <a:p>
             <a:r>
-              <a:rPr lang="en-US" smtClean="0"/>
+              <a:rPr lang="en-US"/>
               <a:t>Click to edit Master title style</a:t>
             </a:r>
-            <a:endParaRPr lang="en-US"/>
           </a:p>
         </p:txBody>
       </p:sp>
@@ -1061,7 +1242,7 @@
         <p:spPr>
           <a:xfrm>
             <a:off x="457200" y="1600200"/>
-            <a:ext cx="4038600" cy="4525963"/>
+            <a:ext cx="5417128" cy="4525963"/>
           </a:xfrm>
         </p:spPr>
         <p:txBody>
@@ -1098,38 +1279,37 @@
           <a:p>
             <a:pPr lvl="0"/>
             <a:r>
-              <a:rPr lang="en-US" smtClean="0"/>
-              <a:t>Edit Master text styles</a:t>
+              <a:rPr lang="en-US"/>
+              <a:t>Click to edit Master text styles</a:t>
             </a:r>
           </a:p>
           <a:p>
             <a:pPr lvl="1"/>
             <a:r>
-              <a:rPr lang="en-US" smtClean="0"/>
+              <a:rPr lang="en-US"/>
               <a:t>Second level</a:t>
             </a:r>
           </a:p>
           <a:p>
             <a:pPr lvl="2"/>
             <a:r>
-              <a:rPr lang="en-US" smtClean="0"/>
+              <a:rPr lang="en-US"/>
               <a:t>Third level</a:t>
             </a:r>
           </a:p>
           <a:p>
             <a:pPr lvl="3"/>
             <a:r>
-              <a:rPr lang="en-US" smtClean="0"/>
+              <a:rPr lang="en-US"/>
               <a:t>Fourth level</a:t>
             </a:r>
           </a:p>
           <a:p>
             <a:pPr lvl="4"/>
             <a:r>
-              <a:rPr lang="en-US" smtClean="0"/>
+              <a:rPr lang="en-US"/>
               <a:t>Fifth level</a:t>
             </a:r>
-            <a:endParaRPr lang="en-US"/>
           </a:p>
         </p:txBody>
       </p:sp>
@@ -1145,8 +1325,8 @@
         </p:nvSpPr>
         <p:spPr>
           <a:xfrm>
-            <a:off x="4648200" y="1600200"/>
-            <a:ext cx="4038600" cy="4525963"/>
+            <a:off x="6352318" y="1600200"/>
+            <a:ext cx="5417128" cy="4525963"/>
           </a:xfrm>
         </p:spPr>
         <p:txBody>
@@ -1183,38 +1363,38 @@
           <a:p>
             <a:pPr lvl="0"/>
             <a:r>
-              <a:rPr lang="en-US" smtClean="0"/>
-              <a:t>Edit Master text styles</a:t>
+              <a:rPr lang="en-US"/>
+              <a:t>Click to edit Master text styles</a:t>
             </a:r>
           </a:p>
           <a:p>
             <a:pPr lvl="1"/>
             <a:r>
-              <a:rPr lang="en-US" smtClean="0"/>
+              <a:rPr lang="en-US"/>
               <a:t>Second level</a:t>
             </a:r>
           </a:p>
           <a:p>
             <a:pPr lvl="2"/>
             <a:r>
-              <a:rPr lang="en-US" smtClean="0"/>
+              <a:rPr lang="en-US"/>
               <a:t>Third level</a:t>
             </a:r>
           </a:p>
           <a:p>
             <a:pPr lvl="3"/>
             <a:r>
-              <a:rPr lang="en-US" smtClean="0"/>
+              <a:rPr lang="en-US"/>
               <a:t>Fourth level</a:t>
             </a:r>
           </a:p>
           <a:p>
             <a:pPr lvl="4"/>
             <a:r>
-              <a:rPr lang="en-US" smtClean="0"/>
+              <a:rPr lang="en-US"/>
               <a:t>Fifth level</a:t>
             </a:r>
-            <a:endParaRPr lang="en-US"/>
+            <a:endParaRPr lang="en-US" dirty="0"/>
           </a:p>
         </p:txBody>
       </p:sp>
@@ -1306,7 +1486,7 @@
     </p:spTree>
     <p:extLst>
       <p:ext uri="{BB962C8B-B14F-4D97-AF65-F5344CB8AC3E}">
-        <p14:creationId xmlns:p14="http://schemas.microsoft.com/office/powerpoint/2010/main" val="1784130377"/>
+        <p14:creationId xmlns:p14="http://schemas.microsoft.com/office/powerpoint/2010/main" val="4123631632"/>
       </p:ext>
     </p:extLst>
   </p:cSld>
@@ -1319,7 +1499,7 @@
 </p:sldLayout>
 </file>
 
-<file path=ppt/slideLayouts/slideLayout11.xml><?xml version="1.0" encoding="utf-8"?>
+<file path=ppt/slideLayouts/slideLayout4.xml><?xml version="1.0" encoding="utf-8"?>
 <p:sldLayout xmlns:a="http://schemas.openxmlformats.org/drawingml/2006/main" xmlns:r="http://schemas.openxmlformats.org/officeDocument/2006/relationships" xmlns:p="http://schemas.openxmlformats.org/presentationml/2006/main" type="twoTxTwoObj" preserve="1">
   <p:cSld name="Comparison">
     <p:spTree>
@@ -1349,7 +1529,7 @@
         <p:spPr>
           <a:xfrm>
             <a:off x="457200" y="274638"/>
-            <a:ext cx="8229600" cy="1143000"/>
+            <a:ext cx="11305308" cy="1143000"/>
           </a:xfrm>
         </p:spPr>
         <p:txBody>
@@ -1361,10 +1541,9 @@
           </a:lstStyle>
           <a:p>
             <a:r>
-              <a:rPr lang="en-US" smtClean="0"/>
+              <a:rPr lang="en-US"/>
               <a:t>Click to edit Master title style</a:t>
             </a:r>
-            <a:endParaRPr lang="en-US"/>
           </a:p>
         </p:txBody>
       </p:sp>
@@ -1380,8 +1559,8 @@
         </p:nvSpPr>
         <p:spPr>
           <a:xfrm>
-            <a:off x="457200" y="1535113"/>
-            <a:ext cx="4040188" cy="639762"/>
+            <a:off x="457199" y="1535113"/>
+            <a:ext cx="5550157" cy="639762"/>
           </a:xfrm>
         </p:spPr>
         <p:txBody>
@@ -1427,8 +1606,8 @@
           <a:p>
             <a:pPr lvl="0"/>
             <a:r>
-              <a:rPr lang="en-US" smtClean="0"/>
-              <a:t>Edit Master text styles</a:t>
+              <a:rPr lang="en-US"/>
+              <a:t>Click to edit Master text styles</a:t>
             </a:r>
           </a:p>
         </p:txBody>
@@ -1445,8 +1624,8 @@
         </p:nvSpPr>
         <p:spPr>
           <a:xfrm>
-            <a:off x="457200" y="2174875"/>
-            <a:ext cx="4040188" cy="3951288"/>
+            <a:off x="457199" y="2174875"/>
+            <a:ext cx="5550157" cy="3951288"/>
           </a:xfrm>
         </p:spPr>
         <p:txBody>
@@ -1483,38 +1662,37 @@
           <a:p>
             <a:pPr lvl="0"/>
             <a:r>
-              <a:rPr lang="en-US" smtClean="0"/>
-              <a:t>Edit Master text styles</a:t>
+              <a:rPr lang="en-US"/>
+              <a:t>Click to edit Master text styles</a:t>
             </a:r>
           </a:p>
           <a:p>
             <a:pPr lvl="1"/>
             <a:r>
-              <a:rPr lang="en-US" smtClean="0"/>
+              <a:rPr lang="en-US"/>
               <a:t>Second level</a:t>
             </a:r>
           </a:p>
           <a:p>
             <a:pPr lvl="2"/>
             <a:r>
-              <a:rPr lang="en-US" smtClean="0"/>
+              <a:rPr lang="en-US"/>
               <a:t>Third level</a:t>
             </a:r>
           </a:p>
           <a:p>
             <a:pPr lvl="3"/>
             <a:r>
-              <a:rPr lang="en-US" smtClean="0"/>
+              <a:rPr lang="en-US"/>
               <a:t>Fourth level</a:t>
             </a:r>
           </a:p>
           <a:p>
             <a:pPr lvl="4"/>
             <a:r>
-              <a:rPr lang="en-US" smtClean="0"/>
+              <a:rPr lang="en-US"/>
               <a:t>Fifth level</a:t>
             </a:r>
-            <a:endParaRPr lang="en-US"/>
           </a:p>
         </p:txBody>
       </p:sp>
@@ -1530,8 +1708,8 @@
         </p:nvSpPr>
         <p:spPr>
           <a:xfrm>
-            <a:off x="4645025" y="1535113"/>
-            <a:ext cx="4041775" cy="639762"/>
+            <a:off x="6224438" y="1535113"/>
+            <a:ext cx="5552337" cy="639762"/>
           </a:xfrm>
         </p:spPr>
         <p:txBody>
@@ -1577,8 +1755,8 @@
           <a:p>
             <a:pPr lvl="0"/>
             <a:r>
-              <a:rPr lang="en-US" smtClean="0"/>
-              <a:t>Edit Master text styles</a:t>
+              <a:rPr lang="en-US"/>
+              <a:t>Click to edit Master text styles</a:t>
             </a:r>
           </a:p>
         </p:txBody>
@@ -1595,8 +1773,8 @@
         </p:nvSpPr>
         <p:spPr>
           <a:xfrm>
-            <a:off x="4645025" y="2174875"/>
-            <a:ext cx="4041775" cy="3951288"/>
+            <a:off x="6224438" y="2174875"/>
+            <a:ext cx="5552337" cy="3951288"/>
           </a:xfrm>
         </p:spPr>
         <p:txBody>
@@ -1633,38 +1811,37 @@
           <a:p>
             <a:pPr lvl="0"/>
             <a:r>
-              <a:rPr lang="en-US" smtClean="0"/>
-              <a:t>Edit Master text styles</a:t>
+              <a:rPr lang="en-US"/>
+              <a:t>Click to edit Master text styles</a:t>
             </a:r>
           </a:p>
           <a:p>
             <a:pPr lvl="1"/>
             <a:r>
-              <a:rPr lang="en-US" smtClean="0"/>
+              <a:rPr lang="en-US"/>
               <a:t>Second level</a:t>
             </a:r>
           </a:p>
           <a:p>
             <a:pPr lvl="2"/>
             <a:r>
-              <a:rPr lang="en-US" smtClean="0"/>
+              <a:rPr lang="en-US"/>
               <a:t>Third level</a:t>
             </a:r>
           </a:p>
           <a:p>
             <a:pPr lvl="3"/>
             <a:r>
-              <a:rPr lang="en-US" smtClean="0"/>
+              <a:rPr lang="en-US"/>
               <a:t>Fourth level</a:t>
             </a:r>
           </a:p>
           <a:p>
             <a:pPr lvl="4"/>
             <a:r>
-              <a:rPr lang="en-US" smtClean="0"/>
+              <a:rPr lang="en-US"/>
               <a:t>Fifth level</a:t>
             </a:r>
-            <a:endParaRPr lang="en-US"/>
           </a:p>
         </p:txBody>
       </p:sp>
@@ -1756,1220 +1933,7 @@
     </p:spTree>
     <p:extLst>
       <p:ext uri="{BB962C8B-B14F-4D97-AF65-F5344CB8AC3E}">
-        <p14:creationId xmlns:p14="http://schemas.microsoft.com/office/powerpoint/2010/main" val="68839081"/>
-      </p:ext>
-    </p:extLst>
-  </p:cSld>
-  <p:clrMapOvr>
-    <a:masterClrMapping/>
-  </p:clrMapOvr>
-  <p:transition>
-    <p:fade/>
-  </p:transition>
-</p:sldLayout>
-</file>
-
-<file path=ppt/slideLayouts/slideLayout12.xml><?xml version="1.0" encoding="utf-8"?>
-<p:sldLayout xmlns:a="http://schemas.openxmlformats.org/drawingml/2006/main" xmlns:r="http://schemas.openxmlformats.org/officeDocument/2006/relationships" xmlns:p="http://schemas.openxmlformats.org/presentationml/2006/main" type="titleOnly" preserve="1">
-  <p:cSld name="Title Only">
-    <p:spTree>
-      <p:nvGrpSpPr>
-        <p:cNvPr id="1" name=""/>
-        <p:cNvGrpSpPr/>
-        <p:nvPr/>
-      </p:nvGrpSpPr>
-      <p:grpSpPr>
-        <a:xfrm>
-          <a:off x="0" y="0"/>
-          <a:ext cx="0" cy="0"/>
-          <a:chOff x="0" y="0"/>
-          <a:chExt cx="0" cy="0"/>
-        </a:xfrm>
-      </p:grpSpPr>
-      <p:sp>
-        <p:nvSpPr>
-          <p:cNvPr id="2" name="Title 1"/>
-          <p:cNvSpPr>
-            <a:spLocks noGrp="1"/>
-          </p:cNvSpPr>
-          <p:nvPr>
-            <p:ph type="title"/>
-          </p:nvPr>
-        </p:nvSpPr>
-        <p:spPr/>
-        <p:txBody>
-          <a:bodyPr/>
-          <a:lstStyle/>
-          <a:p>
-            <a:r>
-              <a:rPr lang="en-US" smtClean="0"/>
-              <a:t>Click to edit Master title style</a:t>
-            </a:r>
-            <a:endParaRPr lang="en-US"/>
-          </a:p>
-        </p:txBody>
-      </p:sp>
-      <p:sp>
-        <p:nvSpPr>
-          <p:cNvPr id="3" name="Date Placeholder 2"/>
-          <p:cNvSpPr>
-            <a:spLocks noGrp="1"/>
-          </p:cNvSpPr>
-          <p:nvPr>
-            <p:ph type="dt" sz="half" idx="10"/>
-          </p:nvPr>
-        </p:nvSpPr>
-        <p:spPr/>
-        <p:txBody>
-          <a:bodyPr/>
-          <a:lstStyle>
-            <a:lvl1pPr>
-              <a:defRPr/>
-            </a:lvl1pPr>
-          </a:lstStyle>
-          <a:p>
-            <a:pPr>
-              <a:defRPr/>
-            </a:pPr>
-            <a:endParaRPr lang="en-US"/>
-          </a:p>
-        </p:txBody>
-      </p:sp>
-      <p:sp>
-        <p:nvSpPr>
-          <p:cNvPr id="4" name="Footer Placeholder 3"/>
-          <p:cNvSpPr>
-            <a:spLocks noGrp="1"/>
-          </p:cNvSpPr>
-          <p:nvPr>
-            <p:ph type="ftr" sz="quarter" idx="11"/>
-          </p:nvPr>
-        </p:nvSpPr>
-        <p:spPr/>
-        <p:txBody>
-          <a:bodyPr/>
-          <a:lstStyle>
-            <a:lvl1pPr>
-              <a:defRPr/>
-            </a:lvl1pPr>
-          </a:lstStyle>
-          <a:p>
-            <a:pPr>
-              <a:defRPr/>
-            </a:pPr>
-            <a:endParaRPr lang="en-US"/>
-          </a:p>
-        </p:txBody>
-      </p:sp>
-      <p:sp>
-        <p:nvSpPr>
-          <p:cNvPr id="5" name="Slide Number Placeholder 4"/>
-          <p:cNvSpPr>
-            <a:spLocks noGrp="1"/>
-          </p:cNvSpPr>
-          <p:nvPr>
-            <p:ph type="sldNum" sz="quarter" idx="12"/>
-          </p:nvPr>
-        </p:nvSpPr>
-        <p:spPr/>
-        <p:txBody>
-          <a:bodyPr/>
-          <a:lstStyle>
-            <a:lvl1pPr>
-              <a:defRPr/>
-            </a:lvl1pPr>
-          </a:lstStyle>
-          <a:p>
-            <a:pPr>
-              <a:defRPr/>
-            </a:pPr>
-            <a:fld id="{6D2D8A67-7796-44DC-9B8E-0811BED7C34E}" type="slidenum">
-              <a:rPr lang="en-US" smtClean="0"/>
-              <a:pPr>
-                <a:defRPr/>
-              </a:pPr>
-              <a:t>‹#›</a:t>
-            </a:fld>
-            <a:endParaRPr lang="en-US"/>
-          </a:p>
-        </p:txBody>
-      </p:sp>
-    </p:spTree>
-    <p:extLst>
-      <p:ext uri="{BB962C8B-B14F-4D97-AF65-F5344CB8AC3E}">
-        <p14:creationId xmlns:p14="http://schemas.microsoft.com/office/powerpoint/2010/main" val="10864871"/>
-      </p:ext>
-    </p:extLst>
-  </p:cSld>
-  <p:clrMapOvr>
-    <a:masterClrMapping/>
-  </p:clrMapOvr>
-  <p:transition>
-    <p:fade/>
-  </p:transition>
-</p:sldLayout>
-</file>
-
-<file path=ppt/slideLayouts/slideLayout13.xml><?xml version="1.0" encoding="utf-8"?>
-<p:sldLayout xmlns:a="http://schemas.openxmlformats.org/drawingml/2006/main" xmlns:r="http://schemas.openxmlformats.org/officeDocument/2006/relationships" xmlns:p="http://schemas.openxmlformats.org/presentationml/2006/main" type="blank" preserve="1">
-  <p:cSld name="Blank">
-    <p:spTree>
-      <p:nvGrpSpPr>
-        <p:cNvPr id="1" name=""/>
-        <p:cNvGrpSpPr/>
-        <p:nvPr/>
-      </p:nvGrpSpPr>
-      <p:grpSpPr>
-        <a:xfrm>
-          <a:off x="0" y="0"/>
-          <a:ext cx="0" cy="0"/>
-          <a:chOff x="0" y="0"/>
-          <a:chExt cx="0" cy="0"/>
-        </a:xfrm>
-      </p:grpSpPr>
-      <p:sp>
-        <p:nvSpPr>
-          <p:cNvPr id="2" name="Date Placeholder 1"/>
-          <p:cNvSpPr>
-            <a:spLocks noGrp="1"/>
-          </p:cNvSpPr>
-          <p:nvPr>
-            <p:ph type="dt" sz="half" idx="10"/>
-          </p:nvPr>
-        </p:nvSpPr>
-        <p:spPr/>
-        <p:txBody>
-          <a:bodyPr/>
-          <a:lstStyle>
-            <a:lvl1pPr>
-              <a:defRPr/>
-            </a:lvl1pPr>
-          </a:lstStyle>
-          <a:p>
-            <a:pPr>
-              <a:defRPr/>
-            </a:pPr>
-            <a:endParaRPr lang="en-US"/>
-          </a:p>
-        </p:txBody>
-      </p:sp>
-      <p:sp>
-        <p:nvSpPr>
-          <p:cNvPr id="3" name="Footer Placeholder 2"/>
-          <p:cNvSpPr>
-            <a:spLocks noGrp="1"/>
-          </p:cNvSpPr>
-          <p:nvPr>
-            <p:ph type="ftr" sz="quarter" idx="11"/>
-          </p:nvPr>
-        </p:nvSpPr>
-        <p:spPr/>
-        <p:txBody>
-          <a:bodyPr/>
-          <a:lstStyle>
-            <a:lvl1pPr>
-              <a:defRPr/>
-            </a:lvl1pPr>
-          </a:lstStyle>
-          <a:p>
-            <a:pPr>
-              <a:defRPr/>
-            </a:pPr>
-            <a:endParaRPr lang="en-US"/>
-          </a:p>
-        </p:txBody>
-      </p:sp>
-      <p:sp>
-        <p:nvSpPr>
-          <p:cNvPr id="4" name="Slide Number Placeholder 3"/>
-          <p:cNvSpPr>
-            <a:spLocks noGrp="1"/>
-          </p:cNvSpPr>
-          <p:nvPr>
-            <p:ph type="sldNum" sz="quarter" idx="12"/>
-          </p:nvPr>
-        </p:nvSpPr>
-        <p:spPr/>
-        <p:txBody>
-          <a:bodyPr/>
-          <a:lstStyle>
-            <a:lvl1pPr>
-              <a:defRPr/>
-            </a:lvl1pPr>
-          </a:lstStyle>
-          <a:p>
-            <a:pPr>
-              <a:defRPr/>
-            </a:pPr>
-            <a:fld id="{42113A57-D150-4CE0-87BF-20EA9E1D2951}" type="slidenum">
-              <a:rPr lang="en-US" smtClean="0"/>
-              <a:pPr>
-                <a:defRPr/>
-              </a:pPr>
-              <a:t>‹#›</a:t>
-            </a:fld>
-            <a:endParaRPr lang="en-US"/>
-          </a:p>
-        </p:txBody>
-      </p:sp>
-    </p:spTree>
-    <p:extLst>
-      <p:ext uri="{BB962C8B-B14F-4D97-AF65-F5344CB8AC3E}">
-        <p14:creationId xmlns:p14="http://schemas.microsoft.com/office/powerpoint/2010/main" val="528754708"/>
-      </p:ext>
-    </p:extLst>
-  </p:cSld>
-  <p:clrMapOvr>
-    <a:masterClrMapping/>
-  </p:clrMapOvr>
-  <p:transition>
-    <p:fade/>
-  </p:transition>
-</p:sldLayout>
-</file>
-
-<file path=ppt/slideLayouts/slideLayout2.xml><?xml version="1.0" encoding="utf-8"?>
-<p:sldLayout xmlns:a="http://schemas.openxmlformats.org/drawingml/2006/main" xmlns:r="http://schemas.openxmlformats.org/officeDocument/2006/relationships" xmlns:p="http://schemas.openxmlformats.org/presentationml/2006/main" type="obj" preserve="1">
-  <p:cSld name="Title and Content">
-    <p:spTree>
-      <p:nvGrpSpPr>
-        <p:cNvPr id="1" name=""/>
-        <p:cNvGrpSpPr/>
-        <p:nvPr/>
-      </p:nvGrpSpPr>
-      <p:grpSpPr>
-        <a:xfrm>
-          <a:off x="0" y="0"/>
-          <a:ext cx="0" cy="0"/>
-          <a:chOff x="0" y="0"/>
-          <a:chExt cx="0" cy="0"/>
-        </a:xfrm>
-      </p:grpSpPr>
-      <p:sp>
-        <p:nvSpPr>
-          <p:cNvPr id="2" name="Title 1"/>
-          <p:cNvSpPr>
-            <a:spLocks noGrp="1"/>
-          </p:cNvSpPr>
-          <p:nvPr>
-            <p:ph type="title"/>
-          </p:nvPr>
-        </p:nvSpPr>
-        <p:spPr/>
-        <p:txBody>
-          <a:bodyPr/>
-          <a:lstStyle/>
-          <a:p>
-            <a:r>
-              <a:rPr lang="en-US" smtClean="0"/>
-              <a:t>Click to edit Master title style</a:t>
-            </a:r>
-            <a:endParaRPr lang="en-US"/>
-          </a:p>
-        </p:txBody>
-      </p:sp>
-      <p:sp>
-        <p:nvSpPr>
-          <p:cNvPr id="3" name="Content Placeholder 2"/>
-          <p:cNvSpPr>
-            <a:spLocks noGrp="1"/>
-          </p:cNvSpPr>
-          <p:nvPr>
-            <p:ph idx="1"/>
-          </p:nvPr>
-        </p:nvSpPr>
-        <p:spPr/>
-        <p:txBody>
-          <a:bodyPr/>
-          <a:lstStyle/>
-          <a:p>
-            <a:pPr lvl="0"/>
-            <a:r>
-              <a:rPr lang="en-US" smtClean="0"/>
-              <a:t>Edit Master text styles</a:t>
-            </a:r>
-          </a:p>
-          <a:p>
-            <a:pPr lvl="1"/>
-            <a:r>
-              <a:rPr lang="en-US" smtClean="0"/>
-              <a:t>Second level</a:t>
-            </a:r>
-          </a:p>
-          <a:p>
-            <a:pPr lvl="2"/>
-            <a:r>
-              <a:rPr lang="en-US" smtClean="0"/>
-              <a:t>Third level</a:t>
-            </a:r>
-          </a:p>
-          <a:p>
-            <a:pPr lvl="3"/>
-            <a:r>
-              <a:rPr lang="en-US" smtClean="0"/>
-              <a:t>Fourth level</a:t>
-            </a:r>
-          </a:p>
-          <a:p>
-            <a:pPr lvl="4"/>
-            <a:r>
-              <a:rPr lang="en-US" smtClean="0"/>
-              <a:t>Fifth level</a:t>
-            </a:r>
-            <a:endParaRPr lang="en-US"/>
-          </a:p>
-        </p:txBody>
-      </p:sp>
-      <p:sp>
-        <p:nvSpPr>
-          <p:cNvPr id="4" name="Date Placeholder 3"/>
-          <p:cNvSpPr>
-            <a:spLocks noGrp="1"/>
-          </p:cNvSpPr>
-          <p:nvPr>
-            <p:ph type="dt" sz="half" idx="10"/>
-          </p:nvPr>
-        </p:nvSpPr>
-        <p:spPr/>
-        <p:txBody>
-          <a:bodyPr/>
-          <a:lstStyle>
-            <a:lvl1pPr>
-              <a:defRPr/>
-            </a:lvl1pPr>
-          </a:lstStyle>
-          <a:p>
-            <a:pPr>
-              <a:defRPr/>
-            </a:pPr>
-            <a:endParaRPr lang="en-US"/>
-          </a:p>
-        </p:txBody>
-      </p:sp>
-      <p:sp>
-        <p:nvSpPr>
-          <p:cNvPr id="5" name="Footer Placeholder 4"/>
-          <p:cNvSpPr>
-            <a:spLocks noGrp="1"/>
-          </p:cNvSpPr>
-          <p:nvPr>
-            <p:ph type="ftr" sz="quarter" idx="11"/>
-          </p:nvPr>
-        </p:nvSpPr>
-        <p:spPr/>
-        <p:txBody>
-          <a:bodyPr/>
-          <a:lstStyle>
-            <a:lvl1pPr>
-              <a:defRPr/>
-            </a:lvl1pPr>
-          </a:lstStyle>
-          <a:p>
-            <a:pPr>
-              <a:defRPr/>
-            </a:pPr>
-            <a:endParaRPr lang="en-US"/>
-          </a:p>
-        </p:txBody>
-      </p:sp>
-      <p:sp>
-        <p:nvSpPr>
-          <p:cNvPr id="6" name="Slide Number Placeholder 5"/>
-          <p:cNvSpPr>
-            <a:spLocks noGrp="1"/>
-          </p:cNvSpPr>
-          <p:nvPr>
-            <p:ph type="sldNum" sz="quarter" idx="12"/>
-          </p:nvPr>
-        </p:nvSpPr>
-        <p:spPr/>
-        <p:txBody>
-          <a:bodyPr/>
-          <a:lstStyle>
-            <a:lvl1pPr>
-              <a:defRPr/>
-            </a:lvl1pPr>
-          </a:lstStyle>
-          <a:p>
-            <a:pPr>
-              <a:defRPr/>
-            </a:pPr>
-            <a:fld id="{A30E648E-C3CE-4333-8AF7-2CD164047A77}" type="slidenum">
-              <a:rPr lang="en-US" smtClean="0"/>
-              <a:pPr>
-                <a:defRPr/>
-              </a:pPr>
-              <a:t>‹#›</a:t>
-            </a:fld>
-            <a:endParaRPr lang="en-US"/>
-          </a:p>
-        </p:txBody>
-      </p:sp>
-    </p:spTree>
-    <p:extLst>
-      <p:ext uri="{BB962C8B-B14F-4D97-AF65-F5344CB8AC3E}">
-        <p14:creationId xmlns:p14="http://schemas.microsoft.com/office/powerpoint/2010/main" val="2247738317"/>
-      </p:ext>
-    </p:extLst>
-  </p:cSld>
-  <p:clrMapOvr>
-    <a:masterClrMapping/>
-  </p:clrMapOvr>
-  <p:transition>
-    <p:fade/>
-  </p:transition>
-</p:sldLayout>
-</file>
-
-<file path=ppt/slideLayouts/slideLayout3.xml><?xml version="1.0" encoding="utf-8"?>
-<p:sldLayout xmlns:a="http://schemas.openxmlformats.org/drawingml/2006/main" xmlns:r="http://schemas.openxmlformats.org/officeDocument/2006/relationships" xmlns:p="http://schemas.openxmlformats.org/presentationml/2006/main" type="twoObj" preserve="1">
-  <p:cSld name="Two Content">
-    <p:spTree>
-      <p:nvGrpSpPr>
-        <p:cNvPr id="1" name=""/>
-        <p:cNvGrpSpPr/>
-        <p:nvPr/>
-      </p:nvGrpSpPr>
-      <p:grpSpPr>
-        <a:xfrm>
-          <a:off x="0" y="0"/>
-          <a:ext cx="0" cy="0"/>
-          <a:chOff x="0" y="0"/>
-          <a:chExt cx="0" cy="0"/>
-        </a:xfrm>
-      </p:grpSpPr>
-      <p:sp>
-        <p:nvSpPr>
-          <p:cNvPr id="2" name="Title 1"/>
-          <p:cNvSpPr>
-            <a:spLocks noGrp="1"/>
-          </p:cNvSpPr>
-          <p:nvPr>
-            <p:ph type="title"/>
-          </p:nvPr>
-        </p:nvSpPr>
-        <p:spPr/>
-        <p:txBody>
-          <a:bodyPr/>
-          <a:lstStyle/>
-          <a:p>
-            <a:r>
-              <a:rPr lang="en-US" smtClean="0"/>
-              <a:t>Click to edit Master title style</a:t>
-            </a:r>
-            <a:endParaRPr lang="en-US"/>
-          </a:p>
-        </p:txBody>
-      </p:sp>
-      <p:sp>
-        <p:nvSpPr>
-          <p:cNvPr id="3" name="Content Placeholder 2"/>
-          <p:cNvSpPr>
-            <a:spLocks noGrp="1"/>
-          </p:cNvSpPr>
-          <p:nvPr>
-            <p:ph sz="half" idx="1"/>
-          </p:nvPr>
-        </p:nvSpPr>
-        <p:spPr>
-          <a:xfrm>
-            <a:off x="457200" y="1600200"/>
-            <a:ext cx="4038600" cy="4525963"/>
-          </a:xfrm>
-        </p:spPr>
-        <p:txBody>
-          <a:bodyPr/>
-          <a:lstStyle>
-            <a:lvl1pPr>
-              <a:defRPr sz="2800"/>
-            </a:lvl1pPr>
-            <a:lvl2pPr>
-              <a:defRPr sz="2400"/>
-            </a:lvl2pPr>
-            <a:lvl3pPr>
-              <a:defRPr sz="2000"/>
-            </a:lvl3pPr>
-            <a:lvl4pPr>
-              <a:defRPr sz="1800"/>
-            </a:lvl4pPr>
-            <a:lvl5pPr>
-              <a:defRPr sz="1800"/>
-            </a:lvl5pPr>
-            <a:lvl6pPr>
-              <a:defRPr sz="1800"/>
-            </a:lvl6pPr>
-            <a:lvl7pPr>
-              <a:defRPr sz="1800"/>
-            </a:lvl7pPr>
-            <a:lvl8pPr>
-              <a:defRPr sz="1800"/>
-            </a:lvl8pPr>
-            <a:lvl9pPr>
-              <a:defRPr sz="1800"/>
-            </a:lvl9pPr>
-          </a:lstStyle>
-          <a:p>
-            <a:pPr lvl="0"/>
-            <a:r>
-              <a:rPr lang="en-US" smtClean="0"/>
-              <a:t>Edit Master text styles</a:t>
-            </a:r>
-          </a:p>
-          <a:p>
-            <a:pPr lvl="1"/>
-            <a:r>
-              <a:rPr lang="en-US" smtClean="0"/>
-              <a:t>Second level</a:t>
-            </a:r>
-          </a:p>
-          <a:p>
-            <a:pPr lvl="2"/>
-            <a:r>
-              <a:rPr lang="en-US" smtClean="0"/>
-              <a:t>Third level</a:t>
-            </a:r>
-          </a:p>
-          <a:p>
-            <a:pPr lvl="3"/>
-            <a:r>
-              <a:rPr lang="en-US" smtClean="0"/>
-              <a:t>Fourth level</a:t>
-            </a:r>
-          </a:p>
-          <a:p>
-            <a:pPr lvl="4"/>
-            <a:r>
-              <a:rPr lang="en-US" smtClean="0"/>
-              <a:t>Fifth level</a:t>
-            </a:r>
-            <a:endParaRPr lang="en-US"/>
-          </a:p>
-        </p:txBody>
-      </p:sp>
-      <p:sp>
-        <p:nvSpPr>
-          <p:cNvPr id="4" name="Content Placeholder 3"/>
-          <p:cNvSpPr>
-            <a:spLocks noGrp="1"/>
-          </p:cNvSpPr>
-          <p:nvPr>
-            <p:ph sz="half" idx="2"/>
-          </p:nvPr>
-        </p:nvSpPr>
-        <p:spPr>
-          <a:xfrm>
-            <a:off x="4648200" y="1600200"/>
-            <a:ext cx="4038600" cy="4525963"/>
-          </a:xfrm>
-        </p:spPr>
-        <p:txBody>
-          <a:bodyPr/>
-          <a:lstStyle>
-            <a:lvl1pPr>
-              <a:defRPr sz="2800"/>
-            </a:lvl1pPr>
-            <a:lvl2pPr>
-              <a:defRPr sz="2400"/>
-            </a:lvl2pPr>
-            <a:lvl3pPr>
-              <a:defRPr sz="2000"/>
-            </a:lvl3pPr>
-            <a:lvl4pPr>
-              <a:defRPr sz="1800"/>
-            </a:lvl4pPr>
-            <a:lvl5pPr>
-              <a:defRPr sz="1800"/>
-            </a:lvl5pPr>
-            <a:lvl6pPr>
-              <a:defRPr sz="1800"/>
-            </a:lvl6pPr>
-            <a:lvl7pPr>
-              <a:defRPr sz="1800"/>
-            </a:lvl7pPr>
-            <a:lvl8pPr>
-              <a:defRPr sz="1800"/>
-            </a:lvl8pPr>
-            <a:lvl9pPr>
-              <a:defRPr sz="1800"/>
-            </a:lvl9pPr>
-          </a:lstStyle>
-          <a:p>
-            <a:pPr lvl="0"/>
-            <a:r>
-              <a:rPr lang="en-US" smtClean="0"/>
-              <a:t>Edit Master text styles</a:t>
-            </a:r>
-          </a:p>
-          <a:p>
-            <a:pPr lvl="1"/>
-            <a:r>
-              <a:rPr lang="en-US" smtClean="0"/>
-              <a:t>Second level</a:t>
-            </a:r>
-          </a:p>
-          <a:p>
-            <a:pPr lvl="2"/>
-            <a:r>
-              <a:rPr lang="en-US" smtClean="0"/>
-              <a:t>Third level</a:t>
-            </a:r>
-          </a:p>
-          <a:p>
-            <a:pPr lvl="3"/>
-            <a:r>
-              <a:rPr lang="en-US" smtClean="0"/>
-              <a:t>Fourth level</a:t>
-            </a:r>
-          </a:p>
-          <a:p>
-            <a:pPr lvl="4"/>
-            <a:r>
-              <a:rPr lang="en-US" smtClean="0"/>
-              <a:t>Fifth level</a:t>
-            </a:r>
-            <a:endParaRPr lang="en-US"/>
-          </a:p>
-        </p:txBody>
-      </p:sp>
-      <p:sp>
-        <p:nvSpPr>
-          <p:cNvPr id="5" name="Date Placeholder 4"/>
-          <p:cNvSpPr>
-            <a:spLocks noGrp="1"/>
-          </p:cNvSpPr>
-          <p:nvPr>
-            <p:ph type="dt" sz="half" idx="10"/>
-          </p:nvPr>
-        </p:nvSpPr>
-        <p:spPr/>
-        <p:txBody>
-          <a:bodyPr/>
-          <a:lstStyle>
-            <a:lvl1pPr>
-              <a:defRPr/>
-            </a:lvl1pPr>
-          </a:lstStyle>
-          <a:p>
-            <a:pPr>
-              <a:defRPr/>
-            </a:pPr>
-            <a:endParaRPr lang="en-US"/>
-          </a:p>
-        </p:txBody>
-      </p:sp>
-      <p:sp>
-        <p:nvSpPr>
-          <p:cNvPr id="6" name="Footer Placeholder 5"/>
-          <p:cNvSpPr>
-            <a:spLocks noGrp="1"/>
-          </p:cNvSpPr>
-          <p:nvPr>
-            <p:ph type="ftr" sz="quarter" idx="11"/>
-          </p:nvPr>
-        </p:nvSpPr>
-        <p:spPr/>
-        <p:txBody>
-          <a:bodyPr/>
-          <a:lstStyle>
-            <a:lvl1pPr>
-              <a:defRPr/>
-            </a:lvl1pPr>
-          </a:lstStyle>
-          <a:p>
-            <a:pPr>
-              <a:defRPr/>
-            </a:pPr>
-            <a:endParaRPr lang="en-US"/>
-          </a:p>
-        </p:txBody>
-      </p:sp>
-      <p:sp>
-        <p:nvSpPr>
-          <p:cNvPr id="7" name="Slide Number Placeholder 6"/>
-          <p:cNvSpPr>
-            <a:spLocks noGrp="1"/>
-          </p:cNvSpPr>
-          <p:nvPr>
-            <p:ph type="sldNum" sz="quarter" idx="12"/>
-          </p:nvPr>
-        </p:nvSpPr>
-        <p:spPr/>
-        <p:txBody>
-          <a:bodyPr/>
-          <a:lstStyle>
-            <a:lvl1pPr>
-              <a:defRPr/>
-            </a:lvl1pPr>
-          </a:lstStyle>
-          <a:p>
-            <a:pPr>
-              <a:defRPr/>
-            </a:pPr>
-            <a:fld id="{D3E7237B-D836-4285-BFA8-5AB309CDADC8}" type="slidenum">
-              <a:rPr lang="en-US" smtClean="0"/>
-              <a:pPr>
-                <a:defRPr/>
-              </a:pPr>
-              <a:t>‹#›</a:t>
-            </a:fld>
-            <a:endParaRPr lang="en-US"/>
-          </a:p>
-        </p:txBody>
-      </p:sp>
-    </p:spTree>
-    <p:extLst>
-      <p:ext uri="{BB962C8B-B14F-4D97-AF65-F5344CB8AC3E}">
-        <p14:creationId xmlns:p14="http://schemas.microsoft.com/office/powerpoint/2010/main" val="1466457453"/>
-      </p:ext>
-    </p:extLst>
-  </p:cSld>
-  <p:clrMapOvr>
-    <a:masterClrMapping/>
-  </p:clrMapOvr>
-  <p:transition>
-    <p:fade/>
-  </p:transition>
-</p:sldLayout>
-</file>
-
-<file path=ppt/slideLayouts/slideLayout4.xml><?xml version="1.0" encoding="utf-8"?>
-<p:sldLayout xmlns:a="http://schemas.openxmlformats.org/drawingml/2006/main" xmlns:r="http://schemas.openxmlformats.org/officeDocument/2006/relationships" xmlns:p="http://schemas.openxmlformats.org/presentationml/2006/main" type="twoTxTwoObj" preserve="1">
-  <p:cSld name="Comparison">
-    <p:spTree>
-      <p:nvGrpSpPr>
-        <p:cNvPr id="1" name=""/>
-        <p:cNvGrpSpPr/>
-        <p:nvPr/>
-      </p:nvGrpSpPr>
-      <p:grpSpPr>
-        <a:xfrm>
-          <a:off x="0" y="0"/>
-          <a:ext cx="0" cy="0"/>
-          <a:chOff x="0" y="0"/>
-          <a:chExt cx="0" cy="0"/>
-        </a:xfrm>
-      </p:grpSpPr>
-      <p:sp>
-        <p:nvSpPr>
-          <p:cNvPr id="2" name="Title 1"/>
-          <p:cNvSpPr>
-            <a:spLocks noGrp="1"/>
-          </p:cNvSpPr>
-          <p:nvPr>
-            <p:ph type="title"/>
-          </p:nvPr>
-        </p:nvSpPr>
-        <p:spPr>
-          <a:xfrm>
-            <a:off x="457200" y="274638"/>
-            <a:ext cx="8229600" cy="1143000"/>
-          </a:xfrm>
-        </p:spPr>
-        <p:txBody>
-          <a:bodyPr/>
-          <a:lstStyle>
-            <a:lvl1pPr>
-              <a:defRPr/>
-            </a:lvl1pPr>
-          </a:lstStyle>
-          <a:p>
-            <a:r>
-              <a:rPr lang="en-US" smtClean="0"/>
-              <a:t>Click to edit Master title style</a:t>
-            </a:r>
-            <a:endParaRPr lang="en-US"/>
-          </a:p>
-        </p:txBody>
-      </p:sp>
-      <p:sp>
-        <p:nvSpPr>
-          <p:cNvPr id="3" name="Text Placeholder 2"/>
-          <p:cNvSpPr>
-            <a:spLocks noGrp="1"/>
-          </p:cNvSpPr>
-          <p:nvPr>
-            <p:ph type="body" idx="1"/>
-          </p:nvPr>
-        </p:nvSpPr>
-        <p:spPr>
-          <a:xfrm>
-            <a:off x="457200" y="1535113"/>
-            <a:ext cx="4040188" cy="639762"/>
-          </a:xfrm>
-        </p:spPr>
-        <p:txBody>
-          <a:bodyPr anchor="b"/>
-          <a:lstStyle>
-            <a:lvl1pPr marL="0" indent="0">
-              <a:buNone/>
-              <a:defRPr sz="2400" b="1"/>
-            </a:lvl1pPr>
-            <a:lvl2pPr marL="457200" indent="0">
-              <a:buNone/>
-              <a:defRPr sz="2000" b="1"/>
-            </a:lvl2pPr>
-            <a:lvl3pPr marL="914400" indent="0">
-              <a:buNone/>
-              <a:defRPr sz="1800" b="1"/>
-            </a:lvl3pPr>
-            <a:lvl4pPr marL="1371600" indent="0">
-              <a:buNone/>
-              <a:defRPr sz="1600" b="1"/>
-            </a:lvl4pPr>
-            <a:lvl5pPr marL="1828800" indent="0">
-              <a:buNone/>
-              <a:defRPr sz="1600" b="1"/>
-            </a:lvl5pPr>
-            <a:lvl6pPr marL="2286000" indent="0">
-              <a:buNone/>
-              <a:defRPr sz="1600" b="1"/>
-            </a:lvl6pPr>
-            <a:lvl7pPr marL="2743200" indent="0">
-              <a:buNone/>
-              <a:defRPr sz="1600" b="1"/>
-            </a:lvl7pPr>
-            <a:lvl8pPr marL="3200400" indent="0">
-              <a:buNone/>
-              <a:defRPr sz="1600" b="1"/>
-            </a:lvl8pPr>
-            <a:lvl9pPr marL="3657600" indent="0">
-              <a:buNone/>
-              <a:defRPr sz="1600" b="1"/>
-            </a:lvl9pPr>
-          </a:lstStyle>
-          <a:p>
-            <a:pPr lvl="0"/>
-            <a:r>
-              <a:rPr lang="en-US" smtClean="0"/>
-              <a:t>Edit Master text styles</a:t>
-            </a:r>
-          </a:p>
-        </p:txBody>
-      </p:sp>
-      <p:sp>
-        <p:nvSpPr>
-          <p:cNvPr id="4" name="Content Placeholder 3"/>
-          <p:cNvSpPr>
-            <a:spLocks noGrp="1"/>
-          </p:cNvSpPr>
-          <p:nvPr>
-            <p:ph sz="half" idx="2"/>
-          </p:nvPr>
-        </p:nvSpPr>
-        <p:spPr>
-          <a:xfrm>
-            <a:off x="457200" y="2174875"/>
-            <a:ext cx="4040188" cy="3951288"/>
-          </a:xfrm>
-        </p:spPr>
-        <p:txBody>
-          <a:bodyPr/>
-          <a:lstStyle>
-            <a:lvl1pPr>
-              <a:defRPr sz="2400"/>
-            </a:lvl1pPr>
-            <a:lvl2pPr>
-              <a:defRPr sz="2000"/>
-            </a:lvl2pPr>
-            <a:lvl3pPr>
-              <a:defRPr sz="1800"/>
-            </a:lvl3pPr>
-            <a:lvl4pPr>
-              <a:defRPr sz="1600"/>
-            </a:lvl4pPr>
-            <a:lvl5pPr>
-              <a:defRPr sz="1600"/>
-            </a:lvl5pPr>
-            <a:lvl6pPr>
-              <a:defRPr sz="1600"/>
-            </a:lvl6pPr>
-            <a:lvl7pPr>
-              <a:defRPr sz="1600"/>
-            </a:lvl7pPr>
-            <a:lvl8pPr>
-              <a:defRPr sz="1600"/>
-            </a:lvl8pPr>
-            <a:lvl9pPr>
-              <a:defRPr sz="1600"/>
-            </a:lvl9pPr>
-          </a:lstStyle>
-          <a:p>
-            <a:pPr lvl="0"/>
-            <a:r>
-              <a:rPr lang="en-US" smtClean="0"/>
-              <a:t>Edit Master text styles</a:t>
-            </a:r>
-          </a:p>
-          <a:p>
-            <a:pPr lvl="1"/>
-            <a:r>
-              <a:rPr lang="en-US" smtClean="0"/>
-              <a:t>Second level</a:t>
-            </a:r>
-          </a:p>
-          <a:p>
-            <a:pPr lvl="2"/>
-            <a:r>
-              <a:rPr lang="en-US" smtClean="0"/>
-              <a:t>Third level</a:t>
-            </a:r>
-          </a:p>
-          <a:p>
-            <a:pPr lvl="3"/>
-            <a:r>
-              <a:rPr lang="en-US" smtClean="0"/>
-              <a:t>Fourth level</a:t>
-            </a:r>
-          </a:p>
-          <a:p>
-            <a:pPr lvl="4"/>
-            <a:r>
-              <a:rPr lang="en-US" smtClean="0"/>
-              <a:t>Fifth level</a:t>
-            </a:r>
-            <a:endParaRPr lang="en-US"/>
-          </a:p>
-        </p:txBody>
-      </p:sp>
-      <p:sp>
-        <p:nvSpPr>
-          <p:cNvPr id="5" name="Text Placeholder 4"/>
-          <p:cNvSpPr>
-            <a:spLocks noGrp="1"/>
-          </p:cNvSpPr>
-          <p:nvPr>
-            <p:ph type="body" sz="quarter" idx="3"/>
-          </p:nvPr>
-        </p:nvSpPr>
-        <p:spPr>
-          <a:xfrm>
-            <a:off x="4645025" y="1535113"/>
-            <a:ext cx="4041775" cy="639762"/>
-          </a:xfrm>
-        </p:spPr>
-        <p:txBody>
-          <a:bodyPr anchor="b"/>
-          <a:lstStyle>
-            <a:lvl1pPr marL="0" indent="0">
-              <a:buNone/>
-              <a:defRPr sz="2400" b="1"/>
-            </a:lvl1pPr>
-            <a:lvl2pPr marL="457200" indent="0">
-              <a:buNone/>
-              <a:defRPr sz="2000" b="1"/>
-            </a:lvl2pPr>
-            <a:lvl3pPr marL="914400" indent="0">
-              <a:buNone/>
-              <a:defRPr sz="1800" b="1"/>
-            </a:lvl3pPr>
-            <a:lvl4pPr marL="1371600" indent="0">
-              <a:buNone/>
-              <a:defRPr sz="1600" b="1"/>
-            </a:lvl4pPr>
-            <a:lvl5pPr marL="1828800" indent="0">
-              <a:buNone/>
-              <a:defRPr sz="1600" b="1"/>
-            </a:lvl5pPr>
-            <a:lvl6pPr marL="2286000" indent="0">
-              <a:buNone/>
-              <a:defRPr sz="1600" b="1"/>
-            </a:lvl6pPr>
-            <a:lvl7pPr marL="2743200" indent="0">
-              <a:buNone/>
-              <a:defRPr sz="1600" b="1"/>
-            </a:lvl7pPr>
-            <a:lvl8pPr marL="3200400" indent="0">
-              <a:buNone/>
-              <a:defRPr sz="1600" b="1"/>
-            </a:lvl8pPr>
-            <a:lvl9pPr marL="3657600" indent="0">
-              <a:buNone/>
-              <a:defRPr sz="1600" b="1"/>
-            </a:lvl9pPr>
-          </a:lstStyle>
-          <a:p>
-            <a:pPr lvl="0"/>
-            <a:r>
-              <a:rPr lang="en-US" smtClean="0"/>
-              <a:t>Edit Master text styles</a:t>
-            </a:r>
-          </a:p>
-        </p:txBody>
-      </p:sp>
-      <p:sp>
-        <p:nvSpPr>
-          <p:cNvPr id="6" name="Content Placeholder 5"/>
-          <p:cNvSpPr>
-            <a:spLocks noGrp="1"/>
-          </p:cNvSpPr>
-          <p:nvPr>
-            <p:ph sz="quarter" idx="4"/>
-          </p:nvPr>
-        </p:nvSpPr>
-        <p:spPr>
-          <a:xfrm>
-            <a:off x="4645025" y="2174875"/>
-            <a:ext cx="4041775" cy="3951288"/>
-          </a:xfrm>
-        </p:spPr>
-        <p:txBody>
-          <a:bodyPr/>
-          <a:lstStyle>
-            <a:lvl1pPr>
-              <a:defRPr sz="2400"/>
-            </a:lvl1pPr>
-            <a:lvl2pPr>
-              <a:defRPr sz="2000"/>
-            </a:lvl2pPr>
-            <a:lvl3pPr>
-              <a:defRPr sz="1800"/>
-            </a:lvl3pPr>
-            <a:lvl4pPr>
-              <a:defRPr sz="1600"/>
-            </a:lvl4pPr>
-            <a:lvl5pPr>
-              <a:defRPr sz="1600"/>
-            </a:lvl5pPr>
-            <a:lvl6pPr>
-              <a:defRPr sz="1600"/>
-            </a:lvl6pPr>
-            <a:lvl7pPr>
-              <a:defRPr sz="1600"/>
-            </a:lvl7pPr>
-            <a:lvl8pPr>
-              <a:defRPr sz="1600"/>
-            </a:lvl8pPr>
-            <a:lvl9pPr>
-              <a:defRPr sz="1600"/>
-            </a:lvl9pPr>
-          </a:lstStyle>
-          <a:p>
-            <a:pPr lvl="0"/>
-            <a:r>
-              <a:rPr lang="en-US" smtClean="0"/>
-              <a:t>Edit Master text styles</a:t>
-            </a:r>
-          </a:p>
-          <a:p>
-            <a:pPr lvl="1"/>
-            <a:r>
-              <a:rPr lang="en-US" smtClean="0"/>
-              <a:t>Second level</a:t>
-            </a:r>
-          </a:p>
-          <a:p>
-            <a:pPr lvl="2"/>
-            <a:r>
-              <a:rPr lang="en-US" smtClean="0"/>
-              <a:t>Third level</a:t>
-            </a:r>
-          </a:p>
-          <a:p>
-            <a:pPr lvl="3"/>
-            <a:r>
-              <a:rPr lang="en-US" smtClean="0"/>
-              <a:t>Fourth level</a:t>
-            </a:r>
-          </a:p>
-          <a:p>
-            <a:pPr lvl="4"/>
-            <a:r>
-              <a:rPr lang="en-US" smtClean="0"/>
-              <a:t>Fifth level</a:t>
-            </a:r>
-            <a:endParaRPr lang="en-US"/>
-          </a:p>
-        </p:txBody>
-      </p:sp>
-      <p:sp>
-        <p:nvSpPr>
-          <p:cNvPr id="7" name="Date Placeholder 6"/>
-          <p:cNvSpPr>
-            <a:spLocks noGrp="1"/>
-          </p:cNvSpPr>
-          <p:nvPr>
-            <p:ph type="dt" sz="half" idx="10"/>
-          </p:nvPr>
-        </p:nvSpPr>
-        <p:spPr/>
-        <p:txBody>
-          <a:bodyPr/>
-          <a:lstStyle>
-            <a:lvl1pPr>
-              <a:defRPr/>
-            </a:lvl1pPr>
-          </a:lstStyle>
-          <a:p>
-            <a:pPr>
-              <a:defRPr/>
-            </a:pPr>
-            <a:endParaRPr lang="en-US"/>
-          </a:p>
-        </p:txBody>
-      </p:sp>
-      <p:sp>
-        <p:nvSpPr>
-          <p:cNvPr id="8" name="Footer Placeholder 7"/>
-          <p:cNvSpPr>
-            <a:spLocks noGrp="1"/>
-          </p:cNvSpPr>
-          <p:nvPr>
-            <p:ph type="ftr" sz="quarter" idx="11"/>
-          </p:nvPr>
-        </p:nvSpPr>
-        <p:spPr/>
-        <p:txBody>
-          <a:bodyPr/>
-          <a:lstStyle>
-            <a:lvl1pPr>
-              <a:defRPr/>
-            </a:lvl1pPr>
-          </a:lstStyle>
-          <a:p>
-            <a:pPr>
-              <a:defRPr/>
-            </a:pPr>
-            <a:endParaRPr lang="en-US"/>
-          </a:p>
-        </p:txBody>
-      </p:sp>
-      <p:sp>
-        <p:nvSpPr>
-          <p:cNvPr id="9" name="Slide Number Placeholder 8"/>
-          <p:cNvSpPr>
-            <a:spLocks noGrp="1"/>
-          </p:cNvSpPr>
-          <p:nvPr>
-            <p:ph type="sldNum" sz="quarter" idx="12"/>
-          </p:nvPr>
-        </p:nvSpPr>
-        <p:spPr/>
-        <p:txBody>
-          <a:bodyPr/>
-          <a:lstStyle>
-            <a:lvl1pPr>
-              <a:defRPr/>
-            </a:lvl1pPr>
-          </a:lstStyle>
-          <a:p>
-            <a:pPr>
-              <a:defRPr/>
-            </a:pPr>
-            <a:fld id="{E6ABB78E-A5F8-4730-B849-28A2B445E878}" type="slidenum">
-              <a:rPr lang="en-US" smtClean="0"/>
-              <a:pPr>
-                <a:defRPr/>
-              </a:pPr>
-              <a:t>‹#›</a:t>
-            </a:fld>
-            <a:endParaRPr lang="en-US"/>
-          </a:p>
-        </p:txBody>
-      </p:sp>
-    </p:spTree>
-    <p:extLst>
-      <p:ext uri="{BB962C8B-B14F-4D97-AF65-F5344CB8AC3E}">
-        <p14:creationId xmlns:p14="http://schemas.microsoft.com/office/powerpoint/2010/main" val="558513826"/>
+        <p14:creationId xmlns:p14="http://schemas.microsoft.com/office/powerpoint/2010/main" val="3552180422"/>
       </p:ext>
     </p:extLst>
   </p:cSld>
@@ -3015,10 +1979,9 @@
           <a:lstStyle/>
           <a:p>
             <a:r>
-              <a:rPr lang="en-US" smtClean="0"/>
+              <a:rPr lang="en-US"/>
               <a:t>Click to edit Master title style</a:t>
             </a:r>
-            <a:endParaRPr lang="en-US"/>
           </a:p>
         </p:txBody>
       </p:sp>
@@ -3110,7 +2073,7 @@
     </p:spTree>
     <p:extLst>
       <p:ext uri="{BB962C8B-B14F-4D97-AF65-F5344CB8AC3E}">
-        <p14:creationId xmlns:p14="http://schemas.microsoft.com/office/powerpoint/2010/main" val="1573039394"/>
+        <p14:creationId xmlns:p14="http://schemas.microsoft.com/office/powerpoint/2010/main" val="3190572582"/>
       </p:ext>
     </p:extLst>
   </p:cSld>
@@ -3228,651 +2191,7 @@
     </p:spTree>
     <p:extLst>
       <p:ext uri="{BB962C8B-B14F-4D97-AF65-F5344CB8AC3E}">
-        <p14:creationId xmlns:p14="http://schemas.microsoft.com/office/powerpoint/2010/main" val="1521685533"/>
-      </p:ext>
-    </p:extLst>
-  </p:cSld>
-  <p:clrMapOvr>
-    <a:masterClrMapping/>
-  </p:clrMapOvr>
-  <p:transition>
-    <p:fade/>
-  </p:transition>
-</p:sldLayout>
-</file>
-
-<file path=ppt/slideLayouts/slideLayout7.xml><?xml version="1.0" encoding="utf-8"?>
-<p:sldLayout xmlns:a="http://schemas.openxmlformats.org/drawingml/2006/main" xmlns:r="http://schemas.openxmlformats.org/officeDocument/2006/relationships" xmlns:p="http://schemas.openxmlformats.org/presentationml/2006/main" preserve="1">
-  <p:cSld name="Nur Titel">
-    <p:spTree>
-      <p:nvGrpSpPr>
-        <p:cNvPr id="1" name=""/>
-        <p:cNvGrpSpPr/>
-        <p:nvPr/>
-      </p:nvGrpSpPr>
-      <p:grpSpPr>
-        <a:xfrm>
-          <a:off x="0" y="0"/>
-          <a:ext cx="0" cy="0"/>
-          <a:chOff x="0" y="0"/>
-          <a:chExt cx="0" cy="0"/>
-        </a:xfrm>
-      </p:grpSpPr>
-      <p:sp>
-        <p:nvSpPr>
-          <p:cNvPr id="2" name="Titel 1"/>
-          <p:cNvSpPr>
-            <a:spLocks noGrp="1"/>
-          </p:cNvSpPr>
-          <p:nvPr>
-            <p:ph type="title"/>
-          </p:nvPr>
-        </p:nvSpPr>
-        <p:spPr>
-          <a:xfrm>
-            <a:off x="216000" y="475200"/>
-            <a:ext cx="7200000" cy="432000"/>
-          </a:xfrm>
-        </p:spPr>
-        <p:txBody>
-          <a:bodyPr/>
-          <a:lstStyle/>
-          <a:p>
-            <a:r>
-              <a:rPr lang="en-US" smtClean="0"/>
-              <a:t>Click to edit Master title style</a:t>
-            </a:r>
-            <a:endParaRPr lang="de-CH" dirty="0"/>
-          </a:p>
-        </p:txBody>
-      </p:sp>
-      <p:sp>
-        <p:nvSpPr>
-          <p:cNvPr id="6" name="Datumsplatzhalter 4"/>
-          <p:cNvSpPr>
-            <a:spLocks noGrp="1"/>
-          </p:cNvSpPr>
-          <p:nvPr>
-            <p:ph type="dt" sz="half" idx="10"/>
-          </p:nvPr>
-        </p:nvSpPr>
-        <p:spPr>
-          <a:xfrm>
-            <a:off x="457200" y="6633376"/>
-            <a:ext cx="2133600" cy="180000"/>
-          </a:xfrm>
-          <a:prstGeom prst="rect">
-            <a:avLst/>
-          </a:prstGeom>
-        </p:spPr>
-        <p:txBody>
-          <a:bodyPr/>
-          <a:lstStyle>
-            <a:lvl1pPr>
-              <a:defRPr sz="800"/>
-            </a:lvl1pPr>
-          </a:lstStyle>
-          <a:p>
-            <a:r>
-              <a:rPr lang="de-DE" smtClean="0"/>
-              <a:t>04.04.2011</a:t>
-            </a:r>
-            <a:endParaRPr lang="de-CH"/>
-          </a:p>
-        </p:txBody>
-      </p:sp>
-      <p:sp>
-        <p:nvSpPr>
-          <p:cNvPr id="7" name="Fußzeilenplatzhalter 5"/>
-          <p:cNvSpPr>
-            <a:spLocks noGrp="1"/>
-          </p:cNvSpPr>
-          <p:nvPr>
-            <p:ph type="ftr" sz="quarter" idx="11"/>
-          </p:nvPr>
-        </p:nvSpPr>
-        <p:spPr>
-          <a:xfrm>
-            <a:off x="3124200" y="6633376"/>
-            <a:ext cx="2895600" cy="180000"/>
-          </a:xfrm>
-          <a:prstGeom prst="rect">
-            <a:avLst/>
-          </a:prstGeom>
-        </p:spPr>
-        <p:txBody>
-          <a:bodyPr/>
-          <a:lstStyle>
-            <a:lvl1pPr>
-              <a:defRPr sz="800"/>
-            </a:lvl1pPr>
-          </a:lstStyle>
-          <a:p>
-            <a:endParaRPr lang="de-CH"/>
-          </a:p>
-        </p:txBody>
-      </p:sp>
-      <p:sp>
-        <p:nvSpPr>
-          <p:cNvPr id="8" name="Foliennummernplatzhalter 6"/>
-          <p:cNvSpPr>
-            <a:spLocks noGrp="1"/>
-          </p:cNvSpPr>
-          <p:nvPr>
-            <p:ph type="sldNum" sz="quarter" idx="12"/>
-          </p:nvPr>
-        </p:nvSpPr>
-        <p:spPr>
-          <a:xfrm>
-            <a:off x="6553200" y="6633376"/>
-            <a:ext cx="2133600" cy="180000"/>
-          </a:xfrm>
-          <a:prstGeom prst="rect">
-            <a:avLst/>
-          </a:prstGeom>
-        </p:spPr>
-        <p:txBody>
-          <a:bodyPr/>
-          <a:lstStyle>
-            <a:lvl1pPr>
-              <a:defRPr sz="800"/>
-            </a:lvl1pPr>
-          </a:lstStyle>
-          <a:p>
-            <a:fld id="{170EAF33-5040-440D-A897-F739B1036B31}" type="slidenum">
-              <a:rPr lang="de-CH" smtClean="0"/>
-              <a:pPr/>
-              <a:t>‹#›</a:t>
-            </a:fld>
-            <a:endParaRPr lang="de-CH"/>
-          </a:p>
-        </p:txBody>
-      </p:sp>
-      <p:sp>
-        <p:nvSpPr>
-          <p:cNvPr id="11" name="Textplatzhalter 12"/>
-          <p:cNvSpPr>
-            <a:spLocks noGrp="1"/>
-          </p:cNvSpPr>
-          <p:nvPr>
-            <p:ph type="body" sz="quarter" idx="13"/>
-          </p:nvPr>
-        </p:nvSpPr>
-        <p:spPr>
-          <a:xfrm>
-            <a:off x="216000" y="908720"/>
-            <a:ext cx="8229600" cy="432000"/>
-          </a:xfrm>
-        </p:spPr>
-        <p:txBody>
-          <a:bodyPr>
-            <a:normAutofit/>
-          </a:bodyPr>
-          <a:lstStyle>
-            <a:lvl1pPr marL="0" indent="0">
-              <a:buNone/>
-              <a:defRPr sz="2000"/>
-            </a:lvl1pPr>
-          </a:lstStyle>
-          <a:p>
-            <a:pPr lvl="0"/>
-            <a:r>
-              <a:rPr lang="en-US" smtClean="0"/>
-              <a:t>Edit Master text styles</a:t>
-            </a:r>
-          </a:p>
-        </p:txBody>
-      </p:sp>
-      <p:sp>
-        <p:nvSpPr>
-          <p:cNvPr id="12" name="Textplatzhalter 20"/>
-          <p:cNvSpPr>
-            <a:spLocks noGrp="1"/>
-          </p:cNvSpPr>
-          <p:nvPr>
-            <p:ph type="body" sz="quarter" idx="14"/>
-          </p:nvPr>
-        </p:nvSpPr>
-        <p:spPr>
-          <a:xfrm>
-            <a:off x="7596188" y="476250"/>
-            <a:ext cx="1296000" cy="431800"/>
-          </a:xfrm>
-        </p:spPr>
-        <p:txBody>
-          <a:bodyPr>
-            <a:noAutofit/>
-          </a:bodyPr>
-          <a:lstStyle>
-            <a:lvl1pPr marL="0" indent="0" algn="r">
-              <a:buNone/>
-              <a:defRPr sz="1000"/>
-            </a:lvl1pPr>
-            <a:lvl2pPr marL="457200" indent="0">
-              <a:buNone/>
-              <a:defRPr sz="1000"/>
-            </a:lvl2pPr>
-            <a:lvl3pPr marL="914400" indent="0">
-              <a:buNone/>
-              <a:defRPr sz="1000"/>
-            </a:lvl3pPr>
-            <a:lvl4pPr marL="1371600" indent="0">
-              <a:buNone/>
-              <a:defRPr sz="1000"/>
-            </a:lvl4pPr>
-            <a:lvl5pPr marL="1828800" indent="0">
-              <a:buNone/>
-              <a:defRPr sz="1000"/>
-            </a:lvl5pPr>
-          </a:lstStyle>
-          <a:p>
-            <a:pPr lvl="0"/>
-            <a:r>
-              <a:rPr lang="en-US" smtClean="0"/>
-              <a:t>Edit Master text styles</a:t>
-            </a:r>
-          </a:p>
-        </p:txBody>
-      </p:sp>
-    </p:spTree>
-    <p:extLst>
-      <p:ext uri="{BB962C8B-B14F-4D97-AF65-F5344CB8AC3E}">
-        <p14:creationId xmlns:p14="http://schemas.microsoft.com/office/powerpoint/2010/main" val="501411578"/>
-      </p:ext>
-    </p:extLst>
-  </p:cSld>
-  <p:clrMapOvr>
-    <a:masterClrMapping/>
-  </p:clrMapOvr>
-  <p:timing>
-    <p:tnLst>
-      <p:par>
-        <p:cTn id="1" dur="indefinite" restart="never" nodeType="tmRoot"/>
-      </p:par>
-    </p:tnLst>
-  </p:timing>
-</p:sldLayout>
-</file>
-
-<file path=ppt/slideLayouts/slideLayout8.xml><?xml version="1.0" encoding="utf-8"?>
-<p:sldLayout xmlns:a="http://schemas.openxmlformats.org/drawingml/2006/main" xmlns:r="http://schemas.openxmlformats.org/officeDocument/2006/relationships" xmlns:p="http://schemas.openxmlformats.org/presentationml/2006/main" showMasterSp="0" type="title" preserve="1">
-  <p:cSld name="Title Slide">
-    <p:spTree>
-      <p:nvGrpSpPr>
-        <p:cNvPr id="1" name=""/>
-        <p:cNvGrpSpPr/>
-        <p:nvPr/>
-      </p:nvGrpSpPr>
-      <p:grpSpPr>
-        <a:xfrm>
-          <a:off x="0" y="0"/>
-          <a:ext cx="0" cy="0"/>
-          <a:chOff x="0" y="0"/>
-          <a:chExt cx="0" cy="0"/>
-        </a:xfrm>
-      </p:grpSpPr>
-      <p:sp>
-        <p:nvSpPr>
-          <p:cNvPr id="78854" name="Rectangle 6"/>
-          <p:cNvSpPr>
-            <a:spLocks noGrp="1" noChangeArrowheads="1"/>
-          </p:cNvSpPr>
-          <p:nvPr>
-            <p:ph type="subTitle" idx="1"/>
-          </p:nvPr>
-        </p:nvSpPr>
-        <p:spPr>
-          <a:xfrm>
-            <a:off x="3352800" y="5029200"/>
-            <a:ext cx="3962400" cy="1143000"/>
-          </a:xfrm>
-        </p:spPr>
-        <p:txBody>
-          <a:bodyPr/>
-          <a:lstStyle>
-            <a:lvl1pPr marL="0" indent="0" algn="r">
-              <a:buFont typeface="Wingdings" pitchFamily="2" charset="2"/>
-              <a:buNone/>
-              <a:defRPr/>
-            </a:lvl1pPr>
-          </a:lstStyle>
-          <a:p>
-            <a:r>
-              <a:rPr lang="en-US" smtClean="0"/>
-              <a:t>Click to edit Master subtitle style</a:t>
-            </a:r>
-            <a:endParaRPr lang="es-HN"/>
-          </a:p>
-        </p:txBody>
-      </p:sp>
-      <p:sp>
-        <p:nvSpPr>
-          <p:cNvPr id="78855" name="Rectangle 7"/>
-          <p:cNvSpPr>
-            <a:spLocks noGrp="1" noChangeArrowheads="1"/>
-          </p:cNvSpPr>
-          <p:nvPr>
-            <p:ph type="dt" sz="half" idx="2"/>
-          </p:nvPr>
-        </p:nvSpPr>
-        <p:spPr/>
-        <p:txBody>
-          <a:bodyPr/>
-          <a:lstStyle>
-            <a:lvl1pPr>
-              <a:defRPr>
-                <a:latin typeface="Arial" charset="0"/>
-              </a:defRPr>
-            </a:lvl1pPr>
-          </a:lstStyle>
-          <a:p>
-            <a:pPr>
-              <a:defRPr/>
-            </a:pPr>
-            <a:endParaRPr lang="en-US"/>
-          </a:p>
-        </p:txBody>
-      </p:sp>
-      <p:sp>
-        <p:nvSpPr>
-          <p:cNvPr id="78856" name="Rectangle 8"/>
-          <p:cNvSpPr>
-            <a:spLocks noGrp="1" noChangeArrowheads="1"/>
-          </p:cNvSpPr>
-          <p:nvPr>
-            <p:ph type="ftr" sz="quarter" idx="3"/>
-          </p:nvPr>
-        </p:nvSpPr>
-        <p:spPr/>
-        <p:txBody>
-          <a:bodyPr/>
-          <a:lstStyle>
-            <a:lvl1pPr>
-              <a:defRPr>
-                <a:latin typeface="Arial" charset="0"/>
-              </a:defRPr>
-            </a:lvl1pPr>
-          </a:lstStyle>
-          <a:p>
-            <a:pPr>
-              <a:defRPr/>
-            </a:pPr>
-            <a:endParaRPr lang="en-US"/>
-          </a:p>
-        </p:txBody>
-      </p:sp>
-      <p:sp>
-        <p:nvSpPr>
-          <p:cNvPr id="78857" name="Rectangle 9"/>
-          <p:cNvSpPr>
-            <a:spLocks noGrp="1" noChangeArrowheads="1"/>
-          </p:cNvSpPr>
-          <p:nvPr>
-            <p:ph type="sldNum" sz="quarter" idx="4"/>
-          </p:nvPr>
-        </p:nvSpPr>
-        <p:spPr/>
-        <p:txBody>
-          <a:bodyPr/>
-          <a:lstStyle>
-            <a:lvl1pPr>
-              <a:defRPr>
-                <a:latin typeface="Arial" charset="0"/>
-              </a:defRPr>
-            </a:lvl1pPr>
-          </a:lstStyle>
-          <a:p>
-            <a:pPr>
-              <a:defRPr/>
-            </a:pPr>
-            <a:fld id="{B27F2FB6-1FF3-439F-A5FF-120BC24DA65B}" type="slidenum">
-              <a:rPr lang="en-US" smtClean="0"/>
-              <a:pPr>
-                <a:defRPr/>
-              </a:pPr>
-              <a:t>‹#›</a:t>
-            </a:fld>
-            <a:endParaRPr lang="en-US"/>
-          </a:p>
-        </p:txBody>
-      </p:sp>
-      <p:sp>
-        <p:nvSpPr>
-          <p:cNvPr id="78858" name="Rectangle 10"/>
-          <p:cNvSpPr>
-            <a:spLocks noGrp="1" noChangeArrowheads="1"/>
-          </p:cNvSpPr>
-          <p:nvPr>
-            <p:ph type="ctrTitle" sz="quarter"/>
-          </p:nvPr>
-        </p:nvSpPr>
-        <p:spPr>
-          <a:xfrm>
-            <a:off x="1371600" y="990600"/>
-            <a:ext cx="7772400" cy="1470025"/>
-          </a:xfrm>
-          <a:ln w="9525"/>
-        </p:spPr>
-        <p:txBody>
-          <a:bodyPr/>
-          <a:lstStyle>
-            <a:lvl1pPr>
-              <a:defRPr sz="5400"/>
-            </a:lvl1pPr>
-          </a:lstStyle>
-          <a:p>
-            <a:r>
-              <a:rPr lang="en-US" smtClean="0"/>
-              <a:t>Click to edit Master title style</a:t>
-            </a:r>
-            <a:endParaRPr lang="en-US"/>
-          </a:p>
-        </p:txBody>
-      </p:sp>
-    </p:spTree>
-    <p:extLst>
-      <p:ext uri="{BB962C8B-B14F-4D97-AF65-F5344CB8AC3E}">
-        <p14:creationId xmlns:p14="http://schemas.microsoft.com/office/powerpoint/2010/main" val="1893511969"/>
-      </p:ext>
-    </p:extLst>
-  </p:cSld>
-  <p:clrMapOvr>
-    <a:masterClrMapping/>
-  </p:clrMapOvr>
-  <p:transition>
-    <p:fade/>
-  </p:transition>
-  <p:timing>
-    <p:tnLst>
-      <p:par>
-        <p:cTn id="1" dur="indefinite" restart="never" nodeType="tmRoot"/>
-      </p:par>
-    </p:tnLst>
-  </p:timing>
-</p:sldLayout>
-</file>
-
-<file path=ppt/slideLayouts/slideLayout9.xml><?xml version="1.0" encoding="utf-8"?>
-<p:sldLayout xmlns:a="http://schemas.openxmlformats.org/drawingml/2006/main" xmlns:r="http://schemas.openxmlformats.org/officeDocument/2006/relationships" xmlns:p="http://schemas.openxmlformats.org/presentationml/2006/main" type="obj" preserve="1">
-  <p:cSld name="Title and Content">
-    <p:spTree>
-      <p:nvGrpSpPr>
-        <p:cNvPr id="1" name=""/>
-        <p:cNvGrpSpPr/>
-        <p:nvPr/>
-      </p:nvGrpSpPr>
-      <p:grpSpPr>
-        <a:xfrm>
-          <a:off x="0" y="0"/>
-          <a:ext cx="0" cy="0"/>
-          <a:chOff x="0" y="0"/>
-          <a:chExt cx="0" cy="0"/>
-        </a:xfrm>
-      </p:grpSpPr>
-      <p:sp>
-        <p:nvSpPr>
-          <p:cNvPr id="2" name="Title 1"/>
-          <p:cNvSpPr>
-            <a:spLocks noGrp="1"/>
-          </p:cNvSpPr>
-          <p:nvPr>
-            <p:ph type="title"/>
-          </p:nvPr>
-        </p:nvSpPr>
-        <p:spPr/>
-        <p:txBody>
-          <a:bodyPr/>
-          <a:lstStyle/>
-          <a:p>
-            <a:r>
-              <a:rPr lang="en-US" smtClean="0"/>
-              <a:t>Click to edit Master title style</a:t>
-            </a:r>
-            <a:endParaRPr lang="en-US"/>
-          </a:p>
-        </p:txBody>
-      </p:sp>
-      <p:sp>
-        <p:nvSpPr>
-          <p:cNvPr id="3" name="Content Placeholder 2"/>
-          <p:cNvSpPr>
-            <a:spLocks noGrp="1"/>
-          </p:cNvSpPr>
-          <p:nvPr>
-            <p:ph idx="1"/>
-          </p:nvPr>
-        </p:nvSpPr>
-        <p:spPr/>
-        <p:txBody>
-          <a:bodyPr/>
-          <a:lstStyle/>
-          <a:p>
-            <a:pPr lvl="0"/>
-            <a:r>
-              <a:rPr lang="en-US" smtClean="0"/>
-              <a:t>Edit Master text styles</a:t>
-            </a:r>
-          </a:p>
-          <a:p>
-            <a:pPr lvl="1"/>
-            <a:r>
-              <a:rPr lang="en-US" smtClean="0"/>
-              <a:t>Second level</a:t>
-            </a:r>
-          </a:p>
-          <a:p>
-            <a:pPr lvl="2"/>
-            <a:r>
-              <a:rPr lang="en-US" smtClean="0"/>
-              <a:t>Third level</a:t>
-            </a:r>
-          </a:p>
-          <a:p>
-            <a:pPr lvl="3"/>
-            <a:r>
-              <a:rPr lang="en-US" smtClean="0"/>
-              <a:t>Fourth level</a:t>
-            </a:r>
-          </a:p>
-          <a:p>
-            <a:pPr lvl="4"/>
-            <a:r>
-              <a:rPr lang="en-US" smtClean="0"/>
-              <a:t>Fifth level</a:t>
-            </a:r>
-            <a:endParaRPr lang="en-US"/>
-          </a:p>
-        </p:txBody>
-      </p:sp>
-      <p:sp>
-        <p:nvSpPr>
-          <p:cNvPr id="4" name="Date Placeholder 3"/>
-          <p:cNvSpPr>
-            <a:spLocks noGrp="1"/>
-          </p:cNvSpPr>
-          <p:nvPr>
-            <p:ph type="dt" sz="half" idx="10"/>
-          </p:nvPr>
-        </p:nvSpPr>
-        <p:spPr/>
-        <p:txBody>
-          <a:bodyPr/>
-          <a:lstStyle>
-            <a:lvl1pPr>
-              <a:defRPr/>
-            </a:lvl1pPr>
-          </a:lstStyle>
-          <a:p>
-            <a:pPr>
-              <a:defRPr/>
-            </a:pPr>
-            <a:endParaRPr lang="en-US"/>
-          </a:p>
-        </p:txBody>
-      </p:sp>
-      <p:sp>
-        <p:nvSpPr>
-          <p:cNvPr id="5" name="Footer Placeholder 4"/>
-          <p:cNvSpPr>
-            <a:spLocks noGrp="1"/>
-          </p:cNvSpPr>
-          <p:nvPr>
-            <p:ph type="ftr" sz="quarter" idx="11"/>
-          </p:nvPr>
-        </p:nvSpPr>
-        <p:spPr/>
-        <p:txBody>
-          <a:bodyPr/>
-          <a:lstStyle>
-            <a:lvl1pPr>
-              <a:defRPr/>
-            </a:lvl1pPr>
-          </a:lstStyle>
-          <a:p>
-            <a:pPr>
-              <a:defRPr/>
-            </a:pPr>
-            <a:endParaRPr lang="en-US"/>
-          </a:p>
-        </p:txBody>
-      </p:sp>
-      <p:sp>
-        <p:nvSpPr>
-          <p:cNvPr id="6" name="Slide Number Placeholder 5"/>
-          <p:cNvSpPr>
-            <a:spLocks noGrp="1"/>
-          </p:cNvSpPr>
-          <p:nvPr>
-            <p:ph type="sldNum" sz="quarter" idx="12"/>
-          </p:nvPr>
-        </p:nvSpPr>
-        <p:spPr/>
-        <p:txBody>
-          <a:bodyPr/>
-          <a:lstStyle>
-            <a:lvl1pPr>
-              <a:defRPr/>
-            </a:lvl1pPr>
-          </a:lstStyle>
-          <a:p>
-            <a:pPr>
-              <a:defRPr/>
-            </a:pPr>
-            <a:fld id="{A30E648E-C3CE-4333-8AF7-2CD164047A77}" type="slidenum">
-              <a:rPr lang="en-US" smtClean="0"/>
-              <a:pPr>
-                <a:defRPr/>
-              </a:pPr>
-              <a:t>‹#›</a:t>
-            </a:fld>
-            <a:endParaRPr lang="en-US"/>
-          </a:p>
-        </p:txBody>
-      </p:sp>
-    </p:spTree>
-    <p:extLst>
-      <p:ext uri="{BB962C8B-B14F-4D97-AF65-F5344CB8AC3E}">
-        <p14:creationId xmlns:p14="http://schemas.microsoft.com/office/powerpoint/2010/main" val="238860065"/>
+        <p14:creationId xmlns:p14="http://schemas.microsoft.com/office/powerpoint/2010/main" val="3794170038"/>
       </p:ext>
     </p:extLst>
   </p:cSld>
@@ -3922,8 +2241,8 @@
         </p:nvSpPr>
         <p:spPr bwMode="auto">
           <a:xfrm>
-            <a:off x="457200" y="228600"/>
-            <a:ext cx="8458200" cy="1143000"/>
+            <a:off x="457199" y="228600"/>
+            <a:ext cx="11305309" cy="1143000"/>
           </a:xfrm>
           <a:prstGeom prst="rect">
             <a:avLst/>
@@ -3947,10 +2266,10 @@
           <a:p>
             <a:pPr lvl="0"/>
             <a:r>
-              <a:rPr lang="en-US" smtClean="0"/>
+              <a:rPr lang="en-US"/>
               <a:t>Click to edit Master title style</a:t>
             </a:r>
-            <a:endParaRPr lang="en-US" dirty="0" smtClean="0"/>
+            <a:endParaRPr lang="en-US" dirty="0"/>
           </a:p>
         </p:txBody>
       </p:sp>
@@ -3967,7 +2286,7 @@
         <p:spPr bwMode="auto">
           <a:xfrm>
             <a:off x="457200" y="1600200"/>
-            <a:ext cx="8229600" cy="4525963"/>
+            <a:ext cx="11305308" cy="4525963"/>
           </a:xfrm>
           <a:prstGeom prst="rect">
             <a:avLst/>
@@ -3991,38 +2310,38 @@
           <a:p>
             <a:pPr lvl="0"/>
             <a:r>
-              <a:rPr lang="en-US" smtClean="0"/>
-              <a:t>Edit Master text styles</a:t>
+              <a:rPr lang="en-US"/>
+              <a:t>Click to edit Master text styles</a:t>
             </a:r>
           </a:p>
           <a:p>
             <a:pPr lvl="1"/>
             <a:r>
-              <a:rPr lang="en-US" smtClean="0"/>
+              <a:rPr lang="en-US"/>
               <a:t>Second level</a:t>
             </a:r>
           </a:p>
           <a:p>
             <a:pPr lvl="2"/>
             <a:r>
-              <a:rPr lang="en-US" smtClean="0"/>
+              <a:rPr lang="en-US"/>
               <a:t>Third level</a:t>
             </a:r>
           </a:p>
           <a:p>
             <a:pPr lvl="3"/>
             <a:r>
-              <a:rPr lang="en-US" smtClean="0"/>
+              <a:rPr lang="en-US"/>
               <a:t>Fourth level</a:t>
             </a:r>
           </a:p>
           <a:p>
             <a:pPr lvl="4"/>
             <a:r>
-              <a:rPr lang="en-US" smtClean="0"/>
+              <a:rPr lang="en-US"/>
               <a:t>Fifth level</a:t>
             </a:r>
-            <a:endParaRPr lang="en-US" dirty="0" smtClean="0"/>
+            <a:endParaRPr lang="en-US" dirty="0"/>
           </a:p>
         </p:txBody>
       </p:sp>
@@ -4038,7 +2357,7 @@
         </p:nvSpPr>
         <p:spPr bwMode="auto">
           <a:xfrm>
-            <a:off x="457200" y="6245225"/>
+            <a:off x="457200" y="6267233"/>
             <a:ext cx="2133600" cy="476250"/>
           </a:xfrm>
           <a:prstGeom prst="rect">
@@ -4086,7 +2405,7 @@
         </p:nvSpPr>
         <p:spPr bwMode="auto">
           <a:xfrm>
-            <a:off x="3124200" y="6245225"/>
+            <a:off x="4648200" y="6267233"/>
             <a:ext cx="2895600" cy="476250"/>
           </a:xfrm>
           <a:prstGeom prst="rect">
@@ -4134,7 +2453,7 @@
         </p:nvSpPr>
         <p:spPr bwMode="auto">
           <a:xfrm>
-            <a:off x="6553200" y="6245225"/>
+            <a:off x="9628908" y="6267233"/>
             <a:ext cx="2133600" cy="476250"/>
           </a:xfrm>
           <a:prstGeom prst="rect">
@@ -4188,7 +2507,7 @@
         <p:spPr bwMode="auto">
           <a:xfrm>
             <a:off x="0" y="1447800"/>
-            <a:ext cx="9144000" cy="0"/>
+            <a:ext cx="12192000" cy="0"/>
           </a:xfrm>
           <a:prstGeom prst="line">
             <a:avLst/>
@@ -4222,788 +2541,22 @@
     </p:spTree>
     <p:extLst>
       <p:ext uri="{BB962C8B-B14F-4D97-AF65-F5344CB8AC3E}">
-        <p14:creationId xmlns:p14="http://schemas.microsoft.com/office/powerpoint/2010/main" val="4025730232"/>
+        <p14:creationId xmlns:p14="http://schemas.microsoft.com/office/powerpoint/2010/main" val="475586337"/>
       </p:ext>
     </p:extLst>
   </p:cSld>
   <p:clrMap bg1="lt1" tx1="dk1" bg2="lt2" tx2="dk2" accent1="accent1" accent2="accent2" accent3="accent3" accent4="accent4" accent5="accent5" accent6="accent6" hlink="hlink" folHlink="folHlink"/>
   <p:sldLayoutIdLst>
-    <p:sldLayoutId id="2147483886" r:id="rId1"/>
-    <p:sldLayoutId id="2147483887" r:id="rId2"/>
-    <p:sldLayoutId id="2147483888" r:id="rId3"/>
-    <p:sldLayoutId id="2147483889" r:id="rId4"/>
-    <p:sldLayoutId id="2147483890" r:id="rId5"/>
-    <p:sldLayoutId id="2147483891" r:id="rId6"/>
-    <p:sldLayoutId id="2147483892" r:id="rId7"/>
+    <p:sldLayoutId id="2147483901" r:id="rId1"/>
+    <p:sldLayoutId id="2147483902" r:id="rId2"/>
+    <p:sldLayoutId id="2147483903" r:id="rId3"/>
+    <p:sldLayoutId id="2147483904" r:id="rId4"/>
+    <p:sldLayoutId id="2147483905" r:id="rId5"/>
+    <p:sldLayoutId id="2147483906" r:id="rId6"/>
   </p:sldLayoutIdLst>
   <p:transition>
     <p:fade/>
   </p:transition>
-  <p:timing>
-    <p:tnLst>
-      <p:par>
-        <p:cTn id="1" dur="indefinite" restart="never" nodeType="tmRoot"/>
-      </p:par>
-    </p:tnLst>
-  </p:timing>
-  <p:txStyles>
-    <p:titleStyle>
-      <a:lvl1pPr algn="ctr" rtl="0" eaLnBrk="1" fontAlgn="base" hangingPunct="1">
-        <a:spcBef>
-          <a:spcPct val="0"/>
-        </a:spcBef>
-        <a:spcAft>
-          <a:spcPct val="0"/>
-        </a:spcAft>
-        <a:defRPr sz="4400" b="0">
-          <a:solidFill>
-            <a:schemeClr val="tx2"/>
-          </a:solidFill>
-          <a:latin typeface="+mj-lt"/>
-          <a:ea typeface="+mj-ea"/>
-          <a:cs typeface="+mj-cs"/>
-        </a:defRPr>
-      </a:lvl1pPr>
-      <a:lvl2pPr algn="ctr" rtl="0" eaLnBrk="1" fontAlgn="base" hangingPunct="1">
-        <a:spcBef>
-          <a:spcPct val="0"/>
-        </a:spcBef>
-        <a:spcAft>
-          <a:spcPct val="0"/>
-        </a:spcAft>
-        <a:defRPr sz="4400" b="1">
-          <a:solidFill>
-            <a:schemeClr val="tx2"/>
-          </a:solidFill>
-          <a:latin typeface="Candara" pitchFamily="34" charset="0"/>
-        </a:defRPr>
-      </a:lvl2pPr>
-      <a:lvl3pPr algn="ctr" rtl="0" eaLnBrk="1" fontAlgn="base" hangingPunct="1">
-        <a:spcBef>
-          <a:spcPct val="0"/>
-        </a:spcBef>
-        <a:spcAft>
-          <a:spcPct val="0"/>
-        </a:spcAft>
-        <a:defRPr sz="4400" b="1">
-          <a:solidFill>
-            <a:schemeClr val="tx2"/>
-          </a:solidFill>
-          <a:latin typeface="Candara" pitchFamily="34" charset="0"/>
-        </a:defRPr>
-      </a:lvl3pPr>
-      <a:lvl4pPr algn="ctr" rtl="0" eaLnBrk="1" fontAlgn="base" hangingPunct="1">
-        <a:spcBef>
-          <a:spcPct val="0"/>
-        </a:spcBef>
-        <a:spcAft>
-          <a:spcPct val="0"/>
-        </a:spcAft>
-        <a:defRPr sz="4400" b="1">
-          <a:solidFill>
-            <a:schemeClr val="tx2"/>
-          </a:solidFill>
-          <a:latin typeface="Candara" pitchFamily="34" charset="0"/>
-        </a:defRPr>
-      </a:lvl4pPr>
-      <a:lvl5pPr algn="ctr" rtl="0" eaLnBrk="1" fontAlgn="base" hangingPunct="1">
-        <a:spcBef>
-          <a:spcPct val="0"/>
-        </a:spcBef>
-        <a:spcAft>
-          <a:spcPct val="0"/>
-        </a:spcAft>
-        <a:defRPr sz="4400" b="1">
-          <a:solidFill>
-            <a:schemeClr val="tx2"/>
-          </a:solidFill>
-          <a:latin typeface="Candara" pitchFamily="34" charset="0"/>
-        </a:defRPr>
-      </a:lvl5pPr>
-      <a:lvl6pPr marL="457200" algn="ctr" rtl="0" eaLnBrk="1" fontAlgn="base" hangingPunct="1">
-        <a:spcBef>
-          <a:spcPct val="0"/>
-        </a:spcBef>
-        <a:spcAft>
-          <a:spcPct val="0"/>
-        </a:spcAft>
-        <a:defRPr sz="4400" b="1">
-          <a:solidFill>
-            <a:schemeClr val="tx2"/>
-          </a:solidFill>
-          <a:latin typeface="Candara" pitchFamily="34" charset="0"/>
-        </a:defRPr>
-      </a:lvl6pPr>
-      <a:lvl7pPr marL="914400" algn="ctr" rtl="0" eaLnBrk="1" fontAlgn="base" hangingPunct="1">
-        <a:spcBef>
-          <a:spcPct val="0"/>
-        </a:spcBef>
-        <a:spcAft>
-          <a:spcPct val="0"/>
-        </a:spcAft>
-        <a:defRPr sz="4400" b="1">
-          <a:solidFill>
-            <a:schemeClr val="tx2"/>
-          </a:solidFill>
-          <a:latin typeface="Candara" pitchFamily="34" charset="0"/>
-        </a:defRPr>
-      </a:lvl7pPr>
-      <a:lvl8pPr marL="1371600" algn="ctr" rtl="0" eaLnBrk="1" fontAlgn="base" hangingPunct="1">
-        <a:spcBef>
-          <a:spcPct val="0"/>
-        </a:spcBef>
-        <a:spcAft>
-          <a:spcPct val="0"/>
-        </a:spcAft>
-        <a:defRPr sz="4400" b="1">
-          <a:solidFill>
-            <a:schemeClr val="tx2"/>
-          </a:solidFill>
-          <a:latin typeface="Candara" pitchFamily="34" charset="0"/>
-        </a:defRPr>
-      </a:lvl8pPr>
-      <a:lvl9pPr marL="1828800" algn="ctr" rtl="0" eaLnBrk="1" fontAlgn="base" hangingPunct="1">
-        <a:spcBef>
-          <a:spcPct val="0"/>
-        </a:spcBef>
-        <a:spcAft>
-          <a:spcPct val="0"/>
-        </a:spcAft>
-        <a:defRPr sz="4400" b="1">
-          <a:solidFill>
-            <a:schemeClr val="tx2"/>
-          </a:solidFill>
-          <a:latin typeface="Candara" pitchFamily="34" charset="0"/>
-        </a:defRPr>
-      </a:lvl9pPr>
-    </p:titleStyle>
-    <p:bodyStyle>
-      <a:lvl1pPr marL="342900" indent="-342900" algn="l" rtl="0" eaLnBrk="1" fontAlgn="base" hangingPunct="1">
-        <a:spcBef>
-          <a:spcPct val="20000"/>
-        </a:spcBef>
-        <a:spcAft>
-          <a:spcPct val="0"/>
-        </a:spcAft>
-        <a:buClr>
-          <a:srgbClr val="0070C0"/>
-        </a:buClr>
-        <a:buSzPct val="150000"/>
-        <a:buFont typeface="Candara" pitchFamily="34" charset="0"/>
-        <a:buChar char="•"/>
-        <a:defRPr sz="3200">
-          <a:solidFill>
-            <a:schemeClr val="tx1"/>
-          </a:solidFill>
-          <a:latin typeface="+mn-lt"/>
-          <a:ea typeface="+mn-ea"/>
-          <a:cs typeface="+mn-cs"/>
-        </a:defRPr>
-      </a:lvl1pPr>
-      <a:lvl2pPr marL="742950" indent="-285750" algn="l" rtl="0" eaLnBrk="1" fontAlgn="base" hangingPunct="1">
-        <a:spcBef>
-          <a:spcPct val="20000"/>
-        </a:spcBef>
-        <a:spcAft>
-          <a:spcPct val="0"/>
-        </a:spcAft>
-        <a:buClr>
-          <a:srgbClr val="0070C0"/>
-        </a:buClr>
-        <a:buSzPct val="150000"/>
-        <a:buFont typeface="Candara" pitchFamily="34" charset="0"/>
-        <a:buChar char="•"/>
-        <a:defRPr sz="2800">
-          <a:solidFill>
-            <a:schemeClr val="tx1"/>
-          </a:solidFill>
-          <a:latin typeface="+mn-lt"/>
-        </a:defRPr>
-      </a:lvl2pPr>
-      <a:lvl3pPr marL="1143000" indent="-228600" algn="l" rtl="0" eaLnBrk="1" fontAlgn="base" hangingPunct="1">
-        <a:spcBef>
-          <a:spcPct val="20000"/>
-        </a:spcBef>
-        <a:spcAft>
-          <a:spcPct val="0"/>
-        </a:spcAft>
-        <a:buClr>
-          <a:srgbClr val="0070C0"/>
-        </a:buClr>
-        <a:buSzPct val="150000"/>
-        <a:buFont typeface="Candara" pitchFamily="34" charset="0"/>
-        <a:buChar char="•"/>
-        <a:defRPr sz="2400">
-          <a:solidFill>
-            <a:schemeClr val="tx1"/>
-          </a:solidFill>
-          <a:latin typeface="+mn-lt"/>
-        </a:defRPr>
-      </a:lvl3pPr>
-      <a:lvl4pPr marL="1600200" indent="-228600" algn="l" rtl="0" eaLnBrk="1" fontAlgn="base" hangingPunct="1">
-        <a:spcBef>
-          <a:spcPct val="20000"/>
-        </a:spcBef>
-        <a:spcAft>
-          <a:spcPct val="0"/>
-        </a:spcAft>
-        <a:buClr>
-          <a:srgbClr val="0070C0"/>
-        </a:buClr>
-        <a:buSzPct val="150000"/>
-        <a:buFont typeface="Candara" pitchFamily="34" charset="0"/>
-        <a:buChar char="•"/>
-        <a:defRPr sz="2000">
-          <a:solidFill>
-            <a:schemeClr val="tx1"/>
-          </a:solidFill>
-          <a:latin typeface="+mn-lt"/>
-        </a:defRPr>
-      </a:lvl4pPr>
-      <a:lvl5pPr marL="2057400" indent="-228600" algn="l" rtl="0" eaLnBrk="1" fontAlgn="base" hangingPunct="1">
-        <a:spcBef>
-          <a:spcPct val="20000"/>
-        </a:spcBef>
-        <a:spcAft>
-          <a:spcPct val="0"/>
-        </a:spcAft>
-        <a:buClr>
-          <a:srgbClr val="0070C0"/>
-        </a:buClr>
-        <a:buSzPct val="150000"/>
-        <a:buFont typeface="Candara" pitchFamily="34" charset="0"/>
-        <a:buChar char="•"/>
-        <a:defRPr sz="2000">
-          <a:solidFill>
-            <a:schemeClr val="tx1"/>
-          </a:solidFill>
-          <a:latin typeface="+mn-lt"/>
-        </a:defRPr>
-      </a:lvl5pPr>
-      <a:lvl6pPr marL="2514600" indent="-228600" algn="l" rtl="0" eaLnBrk="1" fontAlgn="base" hangingPunct="1">
-        <a:spcBef>
-          <a:spcPct val="20000"/>
-        </a:spcBef>
-        <a:spcAft>
-          <a:spcPct val="0"/>
-        </a:spcAft>
-        <a:buFont typeface="Wingdings" pitchFamily="2" charset="2"/>
-        <a:buChar char="Ø"/>
-        <a:defRPr sz="2000">
-          <a:solidFill>
-            <a:schemeClr val="tx1"/>
-          </a:solidFill>
-          <a:latin typeface="+mn-lt"/>
-        </a:defRPr>
-      </a:lvl6pPr>
-      <a:lvl7pPr marL="2971800" indent="-228600" algn="l" rtl="0" eaLnBrk="1" fontAlgn="base" hangingPunct="1">
-        <a:spcBef>
-          <a:spcPct val="20000"/>
-        </a:spcBef>
-        <a:spcAft>
-          <a:spcPct val="0"/>
-        </a:spcAft>
-        <a:buFont typeface="Wingdings" pitchFamily="2" charset="2"/>
-        <a:buChar char="Ø"/>
-        <a:defRPr sz="2000">
-          <a:solidFill>
-            <a:schemeClr val="tx1"/>
-          </a:solidFill>
-          <a:latin typeface="+mn-lt"/>
-        </a:defRPr>
-      </a:lvl7pPr>
-      <a:lvl8pPr marL="3429000" indent="-228600" algn="l" rtl="0" eaLnBrk="1" fontAlgn="base" hangingPunct="1">
-        <a:spcBef>
-          <a:spcPct val="20000"/>
-        </a:spcBef>
-        <a:spcAft>
-          <a:spcPct val="0"/>
-        </a:spcAft>
-        <a:buFont typeface="Wingdings" pitchFamily="2" charset="2"/>
-        <a:buChar char="Ø"/>
-        <a:defRPr sz="2000">
-          <a:solidFill>
-            <a:schemeClr val="tx1"/>
-          </a:solidFill>
-          <a:latin typeface="+mn-lt"/>
-        </a:defRPr>
-      </a:lvl8pPr>
-      <a:lvl9pPr marL="3886200" indent="-228600" algn="l" rtl="0" eaLnBrk="1" fontAlgn="base" hangingPunct="1">
-        <a:spcBef>
-          <a:spcPct val="20000"/>
-        </a:spcBef>
-        <a:spcAft>
-          <a:spcPct val="0"/>
-        </a:spcAft>
-        <a:buFont typeface="Wingdings" pitchFamily="2" charset="2"/>
-        <a:buChar char="Ø"/>
-        <a:defRPr sz="2000">
-          <a:solidFill>
-            <a:schemeClr val="tx1"/>
-          </a:solidFill>
-          <a:latin typeface="+mn-lt"/>
-        </a:defRPr>
-      </a:lvl9pPr>
-    </p:bodyStyle>
-    <p:otherStyle>
-      <a:defPPr>
-        <a:defRPr lang="en-US"/>
-      </a:defPPr>
-      <a:lvl1pPr marL="0" algn="l" defTabSz="914400" rtl="0" eaLnBrk="1" latinLnBrk="0" hangingPunct="1">
-        <a:defRPr sz="1800" kern="1200">
-          <a:solidFill>
-            <a:schemeClr val="tx1"/>
-          </a:solidFill>
-          <a:latin typeface="+mn-lt"/>
-          <a:ea typeface="+mn-ea"/>
-          <a:cs typeface="+mn-cs"/>
-        </a:defRPr>
-      </a:lvl1pPr>
-      <a:lvl2pPr marL="457200" algn="l" defTabSz="914400" rtl="0" eaLnBrk="1" latinLnBrk="0" hangingPunct="1">
-        <a:defRPr sz="1800" kern="1200">
-          <a:solidFill>
-            <a:schemeClr val="tx1"/>
-          </a:solidFill>
-          <a:latin typeface="+mn-lt"/>
-          <a:ea typeface="+mn-ea"/>
-          <a:cs typeface="+mn-cs"/>
-        </a:defRPr>
-      </a:lvl2pPr>
-      <a:lvl3pPr marL="914400" algn="l" defTabSz="914400" rtl="0" eaLnBrk="1" latinLnBrk="0" hangingPunct="1">
-        <a:defRPr sz="1800" kern="1200">
-          <a:solidFill>
-            <a:schemeClr val="tx1"/>
-          </a:solidFill>
-          <a:latin typeface="+mn-lt"/>
-          <a:ea typeface="+mn-ea"/>
-          <a:cs typeface="+mn-cs"/>
-        </a:defRPr>
-      </a:lvl3pPr>
-      <a:lvl4pPr marL="1371600" algn="l" defTabSz="914400" rtl="0" eaLnBrk="1" latinLnBrk="0" hangingPunct="1">
-        <a:defRPr sz="1800" kern="1200">
-          <a:solidFill>
-            <a:schemeClr val="tx1"/>
-          </a:solidFill>
-          <a:latin typeface="+mn-lt"/>
-          <a:ea typeface="+mn-ea"/>
-          <a:cs typeface="+mn-cs"/>
-        </a:defRPr>
-      </a:lvl4pPr>
-      <a:lvl5pPr marL="1828800" algn="l" defTabSz="914400" rtl="0" eaLnBrk="1" latinLnBrk="0" hangingPunct="1">
-        <a:defRPr sz="1800" kern="1200">
-          <a:solidFill>
-            <a:schemeClr val="tx1"/>
-          </a:solidFill>
-          <a:latin typeface="+mn-lt"/>
-          <a:ea typeface="+mn-ea"/>
-          <a:cs typeface="+mn-cs"/>
-        </a:defRPr>
-      </a:lvl5pPr>
-      <a:lvl6pPr marL="2286000" algn="l" defTabSz="914400" rtl="0" eaLnBrk="1" latinLnBrk="0" hangingPunct="1">
-        <a:defRPr sz="1800" kern="1200">
-          <a:solidFill>
-            <a:schemeClr val="tx1"/>
-          </a:solidFill>
-          <a:latin typeface="+mn-lt"/>
-          <a:ea typeface="+mn-ea"/>
-          <a:cs typeface="+mn-cs"/>
-        </a:defRPr>
-      </a:lvl6pPr>
-      <a:lvl7pPr marL="2743200" algn="l" defTabSz="914400" rtl="0" eaLnBrk="1" latinLnBrk="0" hangingPunct="1">
-        <a:defRPr sz="1800" kern="1200">
-          <a:solidFill>
-            <a:schemeClr val="tx1"/>
-          </a:solidFill>
-          <a:latin typeface="+mn-lt"/>
-          <a:ea typeface="+mn-ea"/>
-          <a:cs typeface="+mn-cs"/>
-        </a:defRPr>
-      </a:lvl7pPr>
-      <a:lvl8pPr marL="3200400" algn="l" defTabSz="914400" rtl="0" eaLnBrk="1" latinLnBrk="0" hangingPunct="1">
-        <a:defRPr sz="1800" kern="1200">
-          <a:solidFill>
-            <a:schemeClr val="tx1"/>
-          </a:solidFill>
-          <a:latin typeface="+mn-lt"/>
-          <a:ea typeface="+mn-ea"/>
-          <a:cs typeface="+mn-cs"/>
-        </a:defRPr>
-      </a:lvl8pPr>
-      <a:lvl9pPr marL="3657600" algn="l" defTabSz="914400" rtl="0" eaLnBrk="1" latinLnBrk="0" hangingPunct="1">
-        <a:defRPr sz="1800" kern="1200">
-          <a:solidFill>
-            <a:schemeClr val="tx1"/>
-          </a:solidFill>
-          <a:latin typeface="+mn-lt"/>
-          <a:ea typeface="+mn-ea"/>
-          <a:cs typeface="+mn-cs"/>
-        </a:defRPr>
-      </a:lvl9pPr>
-    </p:otherStyle>
-  </p:txStyles>
-</p:sldMaster>
-</file>
-
-<file path=ppt/slideMasters/slideMaster2.xml><?xml version="1.0" encoding="utf-8"?>
-<p:sldMaster xmlns:a="http://schemas.openxmlformats.org/drawingml/2006/main" xmlns:r="http://schemas.openxmlformats.org/officeDocument/2006/relationships" xmlns:p="http://schemas.openxmlformats.org/presentationml/2006/main" preserve="1">
-  <p:cSld>
-    <p:bg>
-      <p:bgPr>
-        <a:solidFill>
-          <a:schemeClr val="bg1"/>
-        </a:solidFill>
-        <a:effectLst/>
-      </p:bgPr>
-    </p:bg>
-    <p:spTree>
-      <p:nvGrpSpPr>
-        <p:cNvPr id="1" name=""/>
-        <p:cNvGrpSpPr/>
-        <p:nvPr/>
-      </p:nvGrpSpPr>
-      <p:grpSpPr>
-        <a:xfrm>
-          <a:off x="0" y="0"/>
-          <a:ext cx="0" cy="0"/>
-          <a:chOff x="0" y="0"/>
-          <a:chExt cx="0" cy="0"/>
-        </a:xfrm>
-      </p:grpSpPr>
-      <p:sp>
-        <p:nvSpPr>
-          <p:cNvPr id="77826" name="Rectangle 2"/>
-          <p:cNvSpPr>
-            <a:spLocks noGrp="1" noChangeArrowheads="1"/>
-          </p:cNvSpPr>
-          <p:nvPr>
-            <p:ph type="title"/>
-          </p:nvPr>
-        </p:nvSpPr>
-        <p:spPr bwMode="auto">
-          <a:xfrm>
-            <a:off x="457200" y="228600"/>
-            <a:ext cx="8458200" cy="1143000"/>
-          </a:xfrm>
-          <a:prstGeom prst="rect">
-            <a:avLst/>
-          </a:prstGeom>
-          <a:noFill/>
-          <a:ln w="0">
-            <a:noFill/>
-            <a:miter lim="800000"/>
-            <a:headEnd/>
-            <a:tailEnd/>
-          </a:ln>
-          <a:effectLst/>
-        </p:spPr>
-        <p:txBody>
-          <a:bodyPr vert="horz" wrap="square" lIns="91440" tIns="45720" rIns="91440" bIns="45720" numCol="1" anchor="ctr" anchorCtr="0" compatLnSpc="1">
-            <a:prstTxWarp prst="textNoShape">
-              <a:avLst/>
-            </a:prstTxWarp>
-          </a:bodyPr>
-          <a:lstStyle/>
-          <a:p>
-            <a:pPr lvl="0"/>
-            <a:r>
-              <a:rPr lang="en-US" smtClean="0"/>
-              <a:t>Click to edit Master title style</a:t>
-            </a:r>
-            <a:endParaRPr lang="en-US" dirty="0" smtClean="0"/>
-          </a:p>
-        </p:txBody>
-      </p:sp>
-      <p:sp>
-        <p:nvSpPr>
-          <p:cNvPr id="77827" name="Rectangle 3"/>
-          <p:cNvSpPr>
-            <a:spLocks noGrp="1" noChangeArrowheads="1"/>
-          </p:cNvSpPr>
-          <p:nvPr>
-            <p:ph type="body" idx="1"/>
-          </p:nvPr>
-        </p:nvSpPr>
-        <p:spPr bwMode="auto">
-          <a:xfrm>
-            <a:off x="457200" y="1600200"/>
-            <a:ext cx="8229600" cy="4525963"/>
-          </a:xfrm>
-          <a:prstGeom prst="rect">
-            <a:avLst/>
-          </a:prstGeom>
-          <a:noFill/>
-          <a:ln w="9525">
-            <a:noFill/>
-            <a:miter lim="800000"/>
-            <a:headEnd/>
-            <a:tailEnd/>
-          </a:ln>
-          <a:effectLst/>
-        </p:spPr>
-        <p:txBody>
-          <a:bodyPr vert="horz" wrap="square" lIns="91440" tIns="45720" rIns="91440" bIns="45720" numCol="1" anchor="t" anchorCtr="0" compatLnSpc="1">
-            <a:prstTxWarp prst="textNoShape">
-              <a:avLst/>
-            </a:prstTxWarp>
-          </a:bodyPr>
-          <a:lstStyle/>
-          <a:p>
-            <a:pPr lvl="0"/>
-            <a:r>
-              <a:rPr lang="en-US" smtClean="0"/>
-              <a:t>Edit Master text styles</a:t>
-            </a:r>
-          </a:p>
-          <a:p>
-            <a:pPr lvl="1"/>
-            <a:r>
-              <a:rPr lang="en-US" smtClean="0"/>
-              <a:t>Second level</a:t>
-            </a:r>
-          </a:p>
-          <a:p>
-            <a:pPr lvl="2"/>
-            <a:r>
-              <a:rPr lang="en-US" smtClean="0"/>
-              <a:t>Third level</a:t>
-            </a:r>
-          </a:p>
-          <a:p>
-            <a:pPr lvl="3"/>
-            <a:r>
-              <a:rPr lang="en-US" smtClean="0"/>
-              <a:t>Fourth level</a:t>
-            </a:r>
-          </a:p>
-          <a:p>
-            <a:pPr lvl="4"/>
-            <a:r>
-              <a:rPr lang="en-US" smtClean="0"/>
-              <a:t>Fifth level</a:t>
-            </a:r>
-            <a:endParaRPr lang="en-US" dirty="0" smtClean="0"/>
-          </a:p>
-        </p:txBody>
-      </p:sp>
-      <p:sp>
-        <p:nvSpPr>
-          <p:cNvPr id="77828" name="Rectangle 4"/>
-          <p:cNvSpPr>
-            <a:spLocks noGrp="1" noChangeArrowheads="1"/>
-          </p:cNvSpPr>
-          <p:nvPr>
-            <p:ph type="dt" sz="half" idx="2"/>
-          </p:nvPr>
-        </p:nvSpPr>
-        <p:spPr bwMode="auto">
-          <a:xfrm>
-            <a:off x="457200" y="6245225"/>
-            <a:ext cx="2133600" cy="476250"/>
-          </a:xfrm>
-          <a:prstGeom prst="rect">
-            <a:avLst/>
-          </a:prstGeom>
-          <a:noFill/>
-          <a:ln w="9525">
-            <a:noFill/>
-            <a:miter lim="800000"/>
-            <a:headEnd/>
-            <a:tailEnd/>
-          </a:ln>
-          <a:effectLst/>
-        </p:spPr>
-        <p:txBody>
-          <a:bodyPr vert="horz" wrap="square" lIns="91440" tIns="45720" rIns="91440" bIns="45720" numCol="1" anchor="t" anchorCtr="0" compatLnSpc="1">
-            <a:prstTxWarp prst="textNoShape">
-              <a:avLst/>
-            </a:prstTxWarp>
-          </a:bodyPr>
-          <a:lstStyle>
-            <a:lvl1pPr>
-              <a:defRPr sz="1400">
-                <a:latin typeface="+mn-lt"/>
-              </a:defRPr>
-            </a:lvl1pPr>
-          </a:lstStyle>
-          <a:p>
-            <a:pPr>
-              <a:defRPr/>
-            </a:pPr>
-            <a:endParaRPr lang="en-US"/>
-          </a:p>
-        </p:txBody>
-      </p:sp>
-      <p:sp>
-        <p:nvSpPr>
-          <p:cNvPr id="77829" name="Rectangle 5"/>
-          <p:cNvSpPr>
-            <a:spLocks noGrp="1" noChangeArrowheads="1"/>
-          </p:cNvSpPr>
-          <p:nvPr>
-            <p:ph type="ftr" sz="quarter" idx="3"/>
-          </p:nvPr>
-        </p:nvSpPr>
-        <p:spPr bwMode="auto">
-          <a:xfrm>
-            <a:off x="3124200" y="6245225"/>
-            <a:ext cx="2895600" cy="476250"/>
-          </a:xfrm>
-          <a:prstGeom prst="rect">
-            <a:avLst/>
-          </a:prstGeom>
-          <a:noFill/>
-          <a:ln w="9525">
-            <a:noFill/>
-            <a:miter lim="800000"/>
-            <a:headEnd/>
-            <a:tailEnd/>
-          </a:ln>
-          <a:effectLst/>
-        </p:spPr>
-        <p:txBody>
-          <a:bodyPr vert="horz" wrap="square" lIns="91440" tIns="45720" rIns="91440" bIns="45720" numCol="1" anchor="t" anchorCtr="0" compatLnSpc="1">
-            <a:prstTxWarp prst="textNoShape">
-              <a:avLst/>
-            </a:prstTxWarp>
-          </a:bodyPr>
-          <a:lstStyle>
-            <a:lvl1pPr algn="ctr">
-              <a:defRPr sz="1400">
-                <a:latin typeface="+mn-lt"/>
-              </a:defRPr>
-            </a:lvl1pPr>
-          </a:lstStyle>
-          <a:p>
-            <a:pPr>
-              <a:defRPr/>
-            </a:pPr>
-            <a:endParaRPr lang="en-US"/>
-          </a:p>
-        </p:txBody>
-      </p:sp>
-      <p:sp>
-        <p:nvSpPr>
-          <p:cNvPr id="77830" name="Rectangle 6"/>
-          <p:cNvSpPr>
-            <a:spLocks noGrp="1" noChangeArrowheads="1"/>
-          </p:cNvSpPr>
-          <p:nvPr>
-            <p:ph type="sldNum" sz="quarter" idx="4"/>
-          </p:nvPr>
-        </p:nvSpPr>
-        <p:spPr bwMode="auto">
-          <a:xfrm>
-            <a:off x="6553200" y="6245225"/>
-            <a:ext cx="2133600" cy="476250"/>
-          </a:xfrm>
-          <a:prstGeom prst="rect">
-            <a:avLst/>
-          </a:prstGeom>
-          <a:noFill/>
-          <a:ln w="9525">
-            <a:noFill/>
-            <a:miter lim="800000"/>
-            <a:headEnd/>
-            <a:tailEnd/>
-          </a:ln>
-          <a:effectLst/>
-        </p:spPr>
-        <p:txBody>
-          <a:bodyPr vert="horz" wrap="square" lIns="91440" tIns="45720" rIns="91440" bIns="45720" numCol="1" anchor="t" anchorCtr="0" compatLnSpc="1">
-            <a:prstTxWarp prst="textNoShape">
-              <a:avLst/>
-            </a:prstTxWarp>
-          </a:bodyPr>
-          <a:lstStyle>
-            <a:lvl1pPr algn="r">
-              <a:defRPr sz="1400">
-                <a:latin typeface="+mn-lt"/>
-              </a:defRPr>
-            </a:lvl1pPr>
-          </a:lstStyle>
-          <a:p>
-            <a:pPr>
-              <a:defRPr/>
-            </a:pPr>
-            <a:fld id="{BF8F7396-BEB4-43C3-890E-D039A09002B5}" type="slidenum">
-              <a:rPr lang="en-US" smtClean="0"/>
-              <a:pPr>
-                <a:defRPr/>
-              </a:pPr>
-              <a:t>‹#›</a:t>
-            </a:fld>
-            <a:endParaRPr lang="en-US"/>
-          </a:p>
-        </p:txBody>
-      </p:sp>
-      <p:sp>
-        <p:nvSpPr>
-          <p:cNvPr id="77831" name="Line 7"/>
-          <p:cNvSpPr>
-            <a:spLocks noChangeShapeType="1"/>
-          </p:cNvSpPr>
-          <p:nvPr/>
-        </p:nvSpPr>
-        <p:spPr bwMode="auto">
-          <a:xfrm>
-            <a:off x="0" y="1447800"/>
-            <a:ext cx="9144000" cy="0"/>
-          </a:xfrm>
-          <a:prstGeom prst="line">
-            <a:avLst/>
-          </a:prstGeom>
-          <a:noFill/>
-          <a:ln w="76200" cmpd="tri">
-            <a:solidFill>
-              <a:srgbClr val="003CFE"/>
-            </a:solidFill>
-            <a:round/>
-            <a:headEnd/>
-            <a:tailEnd/>
-          </a:ln>
-          <a:effectLst/>
-        </p:spPr>
-        <p:txBody>
-          <a:bodyPr/>
-          <a:lstStyle/>
-          <a:p>
-            <a:pPr eaLnBrk="1" hangingPunct="1"/>
-            <a:endParaRPr lang="en-US" sz="1800">
-              <a:solidFill>
-                <a:srgbClr val="000000"/>
-              </a:solidFill>
-              <a:latin typeface="Arial" charset="0"/>
-              <a:cs typeface="Arial" charset="0"/>
-            </a:endParaRPr>
-          </a:p>
-        </p:txBody>
-      </p:sp>
-    </p:spTree>
-    <p:extLst>
-      <p:ext uri="{BB962C8B-B14F-4D97-AF65-F5344CB8AC3E}">
-        <p14:creationId xmlns:p14="http://schemas.microsoft.com/office/powerpoint/2010/main" val="3199427378"/>
-      </p:ext>
-    </p:extLst>
-  </p:cSld>
-  <p:clrMap bg1="lt1" tx1="dk1" bg2="lt2" tx2="dk2" accent1="accent1" accent2="accent2" accent3="accent3" accent4="accent4" accent5="accent5" accent6="accent6" hlink="hlink" folHlink="folHlink"/>
-  <p:sldLayoutIdLst>
-    <p:sldLayoutId id="2147483894" r:id="rId1"/>
-    <p:sldLayoutId id="2147483895" r:id="rId2"/>
-    <p:sldLayoutId id="2147483896" r:id="rId3"/>
-    <p:sldLayoutId id="2147483897" r:id="rId4"/>
-    <p:sldLayoutId id="2147483898" r:id="rId5"/>
-    <p:sldLayoutId id="2147483899" r:id="rId6"/>
-  </p:sldLayoutIdLst>
-  <p:transition>
-    <p:fade/>
-  </p:transition>
-  <p:timing>
-    <p:tnLst>
-      <p:par>
-        <p:cTn id="1" dur="indefinite" restart="never" nodeType="tmRoot"/>
-      </p:par>
-    </p:tnLst>
-  </p:timing>
   <p:txStyles>
     <p:titleStyle>
       <a:lvl1pPr algn="ctr" rtl="0" eaLnBrk="1" fontAlgn="base" hangingPunct="1">
@@ -5435,10 +2988,9 @@
           <a:lstStyle/>
           <a:p>
             <a:r>
-              <a:rPr lang="en-US" dirty="0" smtClean="0"/>
+              <a:rPr lang="en-US" dirty="0"/>
               <a:t>Selected design project</a:t>
             </a:r>
-            <a:endParaRPr lang="en-US" dirty="0"/>
           </a:p>
         </p:txBody>
       </p:sp>
@@ -5458,49 +3010,32 @@
           <a:lstStyle/>
           <a:p>
             <a:r>
-              <a:rPr lang="en-US" sz="2800" dirty="0" smtClean="0"/>
+              <a:rPr lang="en-US" sz="2800" dirty="0"/>
               <a:t>Residuals</a:t>
             </a:r>
           </a:p>
           <a:p>
             <a:r>
-              <a:rPr lang="en-US" sz="2800" dirty="0" smtClean="0"/>
-              <a:t>Entrance </a:t>
-            </a:r>
-            <a:r>
               <a:rPr lang="en-US" sz="2800" dirty="0"/>
-              <a:t>tank </a:t>
-            </a:r>
-            <a:endParaRPr lang="en-US" sz="2800" dirty="0" smtClean="0"/>
+              <a:t>Entrance tank </a:t>
+            </a:r>
           </a:p>
           <a:p>
             <a:r>
               <a:rPr lang="en-US" dirty="0"/>
-              <a:t>480 L/s plant </a:t>
-            </a:r>
-            <a:r>
-              <a:rPr lang="en-US" dirty="0" smtClean="0"/>
-              <a:t>layout</a:t>
-            </a:r>
-          </a:p>
-          <a:p>
-            <a:r>
-              <a:rPr lang="en-US" sz="2800" dirty="0" smtClean="0"/>
-              <a:t>100</a:t>
-            </a:r>
+              <a:t>480 L/s plant layout</a:t>
+            </a:r>
+          </a:p>
+          <a:p>
             <a:r>
               <a:rPr lang="en-US" sz="2800" dirty="0"/>
-              <a:t>+ L/s sedimentation tank </a:t>
-            </a:r>
-          </a:p>
-          <a:p>
-            <a:r>
-              <a:rPr lang="en-US" sz="2800" dirty="0" smtClean="0"/>
-              <a:t>CDC </a:t>
-            </a:r>
+              <a:t>100+ L/s sedimentation tank </a:t>
+            </a:r>
+          </a:p>
+          <a:p>
             <a:r>
               <a:rPr lang="en-US" sz="2800" dirty="0"/>
-              <a:t>for flows above 100 L/s. </a:t>
+              <a:t>CDC for flows above 100 L/s. </a:t>
             </a:r>
           </a:p>
         </p:txBody>
@@ -5518,13 +3053,6 @@
   <p:transition>
     <p:fade/>
   </p:transition>
-  <p:timing>
-    <p:tnLst>
-      <p:par>
-        <p:cTn id="1" dur="indefinite" restart="never" nodeType="tmRoot"/>
-      </p:par>
-    </p:tnLst>
-  </p:timing>
 </p:sld>
 </file>
 
@@ -5561,10 +3089,9 @@
           <a:lstStyle/>
           <a:p>
             <a:r>
-              <a:rPr lang="en-US" dirty="0" smtClean="0"/>
+              <a:rPr lang="en-US" dirty="0"/>
               <a:t>Review of Priority Design Work</a:t>
             </a:r>
-            <a:endParaRPr lang="en-US" dirty="0"/>
           </a:p>
         </p:txBody>
       </p:sp>
@@ -5584,62 +3111,56 @@
           <a:lstStyle/>
           <a:p>
             <a:r>
-              <a:rPr lang="en-US" dirty="0" smtClean="0"/>
+              <a:rPr lang="en-US" dirty="0"/>
               <a:t>New design for Entrance Tank (High Priority)</a:t>
             </a:r>
           </a:p>
           <a:p>
             <a:pPr lvl="1"/>
             <a:r>
-              <a:rPr lang="en-US" dirty="0" smtClean="0"/>
+              <a:rPr lang="en-US" dirty="0"/>
               <a:t>Current design has velocities that are too high</a:t>
             </a:r>
           </a:p>
           <a:p>
             <a:pPr lvl="1"/>
             <a:r>
-              <a:rPr lang="en-US" dirty="0" smtClean="0"/>
+              <a:rPr lang="en-US" dirty="0"/>
               <a:t>Grit is carried into the flocculator</a:t>
             </a:r>
           </a:p>
           <a:p>
             <a:pPr lvl="1"/>
             <a:r>
-              <a:rPr lang="en-US" dirty="0" smtClean="0"/>
+              <a:rPr lang="en-US" dirty="0"/>
               <a:t>Also need larger trash rack</a:t>
             </a:r>
           </a:p>
           <a:p>
             <a:r>
-              <a:rPr lang="en-US" dirty="0" smtClean="0"/>
+              <a:rPr lang="en-US" dirty="0"/>
               <a:t>Residuals Management</a:t>
             </a:r>
+          </a:p>
+          <a:p>
+            <a:pPr lvl="1"/>
+            <a:r>
+              <a:rPr lang="en-US" dirty="0"/>
+              <a:t>Obtain regulations from Honduras and Colombia</a:t>
+            </a:r>
+          </a:p>
+          <a:p>
+            <a:pPr lvl="1"/>
+            <a:r>
+              <a:rPr lang="en-US" dirty="0"/>
+              <a:t>Review alternatives, choose the best ones, design</a:t>
+            </a:r>
+          </a:p>
+          <a:p>
             <a:endParaRPr lang="en-US" dirty="0"/>
           </a:p>
           <a:p>
-            <a:pPr lvl="1"/>
-            <a:r>
-              <a:rPr lang="en-US" dirty="0"/>
-              <a:t>Obtain regulations from Honduras and </a:t>
-            </a:r>
-            <a:r>
-              <a:rPr lang="en-US" dirty="0" smtClean="0"/>
-              <a:t>Colombia</a:t>
-            </a:r>
-          </a:p>
-          <a:p>
-            <a:pPr lvl="1"/>
-            <a:r>
-              <a:rPr lang="en-US" dirty="0" smtClean="0"/>
-              <a:t>Review alternatives, choose the best ones, design</a:t>
-            </a:r>
             <a:endParaRPr lang="en-US" dirty="0"/>
-          </a:p>
-          <a:p>
-            <a:endParaRPr lang="en-US" dirty="0" smtClean="0"/>
-          </a:p>
-          <a:p>
-            <a:endParaRPr lang="en-US" dirty="0" smtClean="0"/>
           </a:p>
         </p:txBody>
       </p:sp>
@@ -5656,13 +3177,6 @@
   <p:transition>
     <p:fade/>
   </p:transition>
-  <p:timing>
-    <p:tnLst>
-      <p:par>
-        <p:cTn id="1" dur="indefinite" restart="never" nodeType="tmRoot"/>
-      </p:par>
-    </p:tnLst>
-  </p:timing>
 </p:sld>
 </file>
 
@@ -5699,10 +3213,9 @@
           <a:lstStyle/>
           <a:p>
             <a:r>
-              <a:rPr lang="en-US" dirty="0" smtClean="0"/>
+              <a:rPr lang="en-US" dirty="0"/>
               <a:t>Project selection</a:t>
             </a:r>
-            <a:endParaRPr lang="en-US" dirty="0"/>
           </a:p>
         </p:txBody>
       </p:sp>
@@ -5767,18 +3280,11 @@
   <p:transition>
     <p:fade/>
   </p:transition>
-  <p:timing>
-    <p:tnLst>
-      <p:par>
-        <p:cTn id="1" dur="indefinite" restart="never" nodeType="tmRoot"/>
-      </p:par>
-    </p:tnLst>
-  </p:timing>
 </p:sld>
 </file>
 
 <file path=ppt/theme/theme1.xml><?xml version="1.0" encoding="utf-8"?>
-<a:theme xmlns:a="http://schemas.openxmlformats.org/drawingml/2006/main" name="1_Lecture 4540 2016">
+<a:theme xmlns:a="http://schemas.openxmlformats.org/drawingml/2006/main" name="SWOT 2021">
   <a:themeElements>
     <a:clrScheme name="present colors">
       <a:dk1>
@@ -6205,13 +3711,18 @@
       <a:clrMap bg1="lt1" tx1="dk1" bg2="lt2" tx2="dk2" accent1="accent1" accent2="accent2" accent3="accent3" accent4="accent4" accent5="accent5" accent6="accent6" hlink="hlink" folHlink="folHlink"/>
     </a:extraClrScheme>
   </a:extraClrSchemeLst>
+  <a:extLst>
+    <a:ext uri="{05A4C25C-085E-4340-85A3-A5531E510DB2}">
+      <thm15:themeFamily xmlns:thm15="http://schemas.microsoft.com/office/thememl/2012/main" name="SWOT 2021" id="{306B4164-DC53-4581-8FA2-40B7F9389F30}" vid="{98F8E750-724B-47D5-9A8C-6ABDA1DBFED5}"/>
+    </a:ext>
+  </a:extLst>
 </a:theme>
 </file>
 
 <file path=ppt/theme/theme2.xml><?xml version="1.0" encoding="utf-8"?>
-<a:theme xmlns:a="http://schemas.openxmlformats.org/drawingml/2006/main" name="2_Lecture 4540 2016">
+<a:theme xmlns:a="http://schemas.openxmlformats.org/drawingml/2006/main" name="Office Theme">
   <a:themeElements>
-    <a:clrScheme name="present">
+    <a:clrScheme name="">
       <a:dk1>
         <a:srgbClr val="000000"/>
       </a:dk1>
@@ -6219,46 +3730,104 @@
         <a:srgbClr val="FFFFFF"/>
       </a:lt1>
       <a:dk2>
-        <a:srgbClr val="00005A"/>
+        <a:srgbClr val="000000"/>
       </a:dk2>
       <a:lt2>
-        <a:srgbClr val="12037F"/>
+        <a:srgbClr val="808080"/>
       </a:lt2>
       <a:accent1>
-        <a:srgbClr val="0300BE"/>
+        <a:srgbClr val="BBE0E3"/>
       </a:accent1>
       <a:accent2>
-        <a:srgbClr val="FBA305"/>
+        <a:srgbClr val="333399"/>
       </a:accent2>
       <a:accent3>
-        <a:srgbClr val="3399FF"/>
+        <a:srgbClr val="FFFFFF"/>
       </a:accent3>
       <a:accent4>
-        <a:srgbClr val="AC0000"/>
+        <a:srgbClr val="000000"/>
       </a:accent4>
       <a:accent5>
-        <a:srgbClr val="F7B0B0"/>
+        <a:srgbClr val="DAEDEF"/>
       </a:accent5>
       <a:accent6>
-        <a:srgbClr val="E39304"/>
+        <a:srgbClr val="2D2D8A"/>
       </a:accent6>
       <a:hlink>
-        <a:srgbClr val="678EFD"/>
+        <a:srgbClr val="009999"/>
       </a:hlink>
       <a:folHlink>
-        <a:srgbClr val="AC0000"/>
+        <a:srgbClr val="99CC00"/>
       </a:folHlink>
     </a:clrScheme>
-    <a:fontScheme name="1_AguaClara the road">
+    <a:fontScheme name="Office">
       <a:majorFont>
-        <a:latin typeface="Candara"/>
+        <a:latin typeface="Calibri"/>
         <a:ea typeface=""/>
         <a:cs typeface=""/>
+        <a:font script="Jpan" typeface="ＭＳ Ｐゴシック"/>
+        <a:font script="Hang" typeface="맑은 고딕"/>
+        <a:font script="Hans" typeface="宋体"/>
+        <a:font script="Hant" typeface="新細明體"/>
+        <a:font script="Arab" typeface="Times New Roman"/>
+        <a:font script="Hebr" typeface="Times New Roman"/>
+        <a:font script="Thai" typeface="Angsana New"/>
+        <a:font script="Ethi" typeface="Nyala"/>
+        <a:font script="Beng" typeface="Vrinda"/>
+        <a:font script="Gujr" typeface="Shruti"/>
+        <a:font script="Khmr" typeface="MoolBoran"/>
+        <a:font script="Knda" typeface="Tunga"/>
+        <a:font script="Guru" typeface="Raavi"/>
+        <a:font script="Cans" typeface="Euphemia"/>
+        <a:font script="Cher" typeface="Plantagenet Cherokee"/>
+        <a:font script="Yiii" typeface="Microsoft Yi Baiti"/>
+        <a:font script="Tibt" typeface="Microsoft Himalaya"/>
+        <a:font script="Thaa" typeface="MV Boli"/>
+        <a:font script="Deva" typeface="Mangal"/>
+        <a:font script="Telu" typeface="Gautami"/>
+        <a:font script="Taml" typeface="Latha"/>
+        <a:font script="Syrc" typeface="Estrangelo Edessa"/>
+        <a:font script="Orya" typeface="Kalinga"/>
+        <a:font script="Mlym" typeface="Kartika"/>
+        <a:font script="Laoo" typeface="DokChampa"/>
+        <a:font script="Sinh" typeface="Iskoola Pota"/>
+        <a:font script="Mong" typeface="Mongolian Baiti"/>
+        <a:font script="Viet" typeface="Times New Roman"/>
+        <a:font script="Uigh" typeface="Microsoft Uighur"/>
       </a:majorFont>
       <a:minorFont>
-        <a:latin typeface="Candara"/>
+        <a:latin typeface="Calibri"/>
         <a:ea typeface=""/>
         <a:cs typeface=""/>
+        <a:font script="Jpan" typeface="ＭＳ Ｐゴシック"/>
+        <a:font script="Hang" typeface="맑은 고딕"/>
+        <a:font script="Hans" typeface="宋体"/>
+        <a:font script="Hant" typeface="新細明體"/>
+        <a:font script="Arab" typeface="Arial"/>
+        <a:font script="Hebr" typeface="Arial"/>
+        <a:font script="Thai" typeface="Cordia New"/>
+        <a:font script="Ethi" typeface="Nyala"/>
+        <a:font script="Beng" typeface="Vrinda"/>
+        <a:font script="Gujr" typeface="Shruti"/>
+        <a:font script="Khmr" typeface="DaunPenh"/>
+        <a:font script="Knda" typeface="Tunga"/>
+        <a:font script="Guru" typeface="Raavi"/>
+        <a:font script="Cans" typeface="Euphemia"/>
+        <a:font script="Cher" typeface="Plantagenet Cherokee"/>
+        <a:font script="Yiii" typeface="Microsoft Yi Baiti"/>
+        <a:font script="Tibt" typeface="Microsoft Himalaya"/>
+        <a:font script="Thaa" typeface="MV Boli"/>
+        <a:font script="Deva" typeface="Mangal"/>
+        <a:font script="Telu" typeface="Gautami"/>
+        <a:font script="Taml" typeface="Latha"/>
+        <a:font script="Syrc" typeface="Estrangelo Edessa"/>
+        <a:font script="Orya" typeface="Kalinga"/>
+        <a:font script="Mlym" typeface="Kartika"/>
+        <a:font script="Laoo" typeface="DokChampa"/>
+        <a:font script="Sinh" typeface="Iskoola Pota"/>
+        <a:font script="Mong" typeface="Mongolian Baiti"/>
+        <a:font script="Viet" typeface="Arial"/>
+        <a:font script="Uigh" typeface="Microsoft Uighur"/>
       </a:minorFont>
     </a:fontScheme>
     <a:fmtScheme name="Office">
@@ -6429,213 +3998,7 @@
     </a:fmtScheme>
   </a:themeElements>
   <a:objectDefaults/>
-  <a:extraClrSchemeLst>
-    <a:extraClrScheme>
-      <a:clrScheme name="1_AguaClara the road 1">
-        <a:dk1>
-          <a:srgbClr val="000000"/>
-        </a:dk1>
-        <a:lt1>
-          <a:srgbClr val="FFFFFF"/>
-        </a:lt1>
-        <a:dk2>
-          <a:srgbClr val="000000"/>
-        </a:dk2>
-        <a:lt2>
-          <a:srgbClr val="808080"/>
-        </a:lt2>
-        <a:accent1>
-          <a:srgbClr val="BBE0E3"/>
-        </a:accent1>
-        <a:accent2>
-          <a:srgbClr val="333399"/>
-        </a:accent2>
-        <a:accent3>
-          <a:srgbClr val="FFFFFF"/>
-        </a:accent3>
-        <a:accent4>
-          <a:srgbClr val="000000"/>
-        </a:accent4>
-        <a:accent5>
-          <a:srgbClr val="DAEDEF"/>
-        </a:accent5>
-        <a:accent6>
-          <a:srgbClr val="2D2D8A"/>
-        </a:accent6>
-        <a:hlink>
-          <a:srgbClr val="009999"/>
-        </a:hlink>
-        <a:folHlink>
-          <a:srgbClr val="99CC00"/>
-        </a:folHlink>
-      </a:clrScheme>
-      <a:clrMap bg1="lt1" tx1="dk1" bg2="lt2" tx2="dk2" accent1="accent1" accent2="accent2" accent3="accent3" accent4="accent4" accent5="accent5" accent6="accent6" hlink="hlink" folHlink="folHlink"/>
-    </a:extraClrScheme>
-    <a:extraClrScheme>
-      <a:clrScheme name="1_AguaClara the road 2">
-        <a:dk1>
-          <a:srgbClr val="000000"/>
-        </a:dk1>
-        <a:lt1>
-          <a:srgbClr val="FFFFFF"/>
-        </a:lt1>
-        <a:dk2>
-          <a:srgbClr val="000000"/>
-        </a:dk2>
-        <a:lt2>
-          <a:srgbClr val="969696"/>
-        </a:lt2>
-        <a:accent1>
-          <a:srgbClr val="FBDF53"/>
-        </a:accent1>
-        <a:accent2>
-          <a:srgbClr val="FF9966"/>
-        </a:accent2>
-        <a:accent3>
-          <a:srgbClr val="FFFFFF"/>
-        </a:accent3>
-        <a:accent4>
-          <a:srgbClr val="000000"/>
-        </a:accent4>
-        <a:accent5>
-          <a:srgbClr val="FDECB3"/>
-        </a:accent5>
-        <a:accent6>
-          <a:srgbClr val="E78A5C"/>
-        </a:accent6>
-        <a:hlink>
-          <a:srgbClr val="CC3300"/>
-        </a:hlink>
-        <a:folHlink>
-          <a:srgbClr val="996600"/>
-        </a:folHlink>
-      </a:clrScheme>
-      <a:clrMap bg1="lt1" tx1="dk1" bg2="lt2" tx2="dk2" accent1="accent1" accent2="accent2" accent3="accent3" accent4="accent4" accent5="accent5" accent6="accent6" hlink="hlink" folHlink="folHlink"/>
-    </a:extraClrScheme>
-    <a:extraClrScheme>
-      <a:clrScheme name="1_AguaClara the road 3">
-        <a:dk1>
-          <a:srgbClr val="000000"/>
-        </a:dk1>
-        <a:lt1>
-          <a:srgbClr val="FFFFFF"/>
-        </a:lt1>
-        <a:dk2>
-          <a:srgbClr val="000000"/>
-        </a:dk2>
-        <a:lt2>
-          <a:srgbClr val="969696"/>
-        </a:lt2>
-        <a:accent1>
-          <a:srgbClr val="FF3300"/>
-        </a:accent1>
-        <a:accent2>
-          <a:srgbClr val="FF9900"/>
-        </a:accent2>
-        <a:accent3>
-          <a:srgbClr val="FFFFFF"/>
-        </a:accent3>
-        <a:accent4>
-          <a:srgbClr val="000000"/>
-        </a:accent4>
-        <a:accent5>
-          <a:srgbClr val="FFADAA"/>
-        </a:accent5>
-        <a:accent6>
-          <a:srgbClr val="E78A00"/>
-        </a:accent6>
-        <a:hlink>
-          <a:srgbClr val="3366FF"/>
-        </a:hlink>
-        <a:folHlink>
-          <a:srgbClr val="A50021"/>
-        </a:folHlink>
-      </a:clrScheme>
-      <a:clrMap bg1="lt1" tx1="dk1" bg2="lt2" tx2="dk2" accent1="accent1" accent2="accent2" accent3="accent3" accent4="accent4" accent5="accent5" accent6="accent6" hlink="hlink" folHlink="folHlink"/>
-    </a:extraClrScheme>
-    <a:extraClrScheme>
-      <a:clrScheme name="1_AguaClara the road 4">
-        <a:dk1>
-          <a:srgbClr val="000000"/>
-        </a:dk1>
-        <a:lt1>
-          <a:srgbClr val="FFFFFF"/>
-        </a:lt1>
-        <a:dk2>
-          <a:srgbClr val="000000"/>
-        </a:dk2>
-        <a:lt2>
-          <a:srgbClr val="969696"/>
-        </a:lt2>
-        <a:accent1>
-          <a:srgbClr val="080808"/>
-        </a:accent1>
-        <a:accent2>
-          <a:srgbClr val="777777"/>
-        </a:accent2>
-        <a:accent3>
-          <a:srgbClr val="FFFFFF"/>
-        </a:accent3>
-        <a:accent4>
-          <a:srgbClr val="000000"/>
-        </a:accent4>
-        <a:accent5>
-          <a:srgbClr val="AAAAAA"/>
-        </a:accent5>
-        <a:accent6>
-          <a:srgbClr val="6B6B6B"/>
-        </a:accent6>
-        <a:hlink>
-          <a:srgbClr val="C0C0C0"/>
-        </a:hlink>
-        <a:folHlink>
-          <a:srgbClr val="FFFFFF"/>
-        </a:folHlink>
-      </a:clrScheme>
-      <a:clrMap bg1="lt1" tx1="dk1" bg2="lt2" tx2="dk2" accent1="accent1" accent2="accent2" accent3="accent3" accent4="accent4" accent5="accent5" accent6="accent6" hlink="hlink" folHlink="folHlink"/>
-    </a:extraClrScheme>
-    <a:extraClrScheme>
-      <a:clrScheme name="1_AguaClara the road 5">
-        <a:dk1>
-          <a:srgbClr val="000000"/>
-        </a:dk1>
-        <a:lt1>
-          <a:srgbClr val="FFFFFF"/>
-        </a:lt1>
-        <a:dk2>
-          <a:srgbClr val="000000"/>
-        </a:dk2>
-        <a:lt2>
-          <a:srgbClr val="969696"/>
-        </a:lt2>
-        <a:accent1>
-          <a:srgbClr val="080808"/>
-        </a:accent1>
-        <a:accent2>
-          <a:srgbClr val="777777"/>
-        </a:accent2>
-        <a:accent3>
-          <a:srgbClr val="FFFFFF"/>
-        </a:accent3>
-        <a:accent4>
-          <a:srgbClr val="000000"/>
-        </a:accent4>
-        <a:accent5>
-          <a:srgbClr val="AAAAAA"/>
-        </a:accent5>
-        <a:accent6>
-          <a:srgbClr val="6B6B6B"/>
-        </a:accent6>
-        <a:hlink>
-          <a:srgbClr val="C0C0C0"/>
-        </a:hlink>
-        <a:folHlink>
-          <a:srgbClr val="000000"/>
-        </a:folHlink>
-      </a:clrScheme>
-      <a:clrMap bg1="lt1" tx1="dk1" bg2="lt2" tx2="dk2" accent1="accent1" accent2="accent2" accent3="accent3" accent4="accent4" accent5="accent5" accent6="accent6" hlink="hlink" folHlink="folHlink"/>
-    </a:extraClrScheme>
-  </a:extraClrSchemeLst>
+  <a:extraClrSchemeLst/>
 </a:theme>
 </file>
 
@@ -6920,287 +4283,4 @@
   <a:objectDefaults/>
   <a:extraClrSchemeLst/>
 </a:theme>
-</file>
-
-<file path=ppt/theme/theme4.xml><?xml version="1.0" encoding="utf-8"?>
-<a:theme xmlns:a="http://schemas.openxmlformats.org/drawingml/2006/main" name="Office Theme">
-  <a:themeElements>
-    <a:clrScheme name="">
-      <a:dk1>
-        <a:srgbClr val="000000"/>
-      </a:dk1>
-      <a:lt1>
-        <a:srgbClr val="FFFFFF"/>
-      </a:lt1>
-      <a:dk2>
-        <a:srgbClr val="000000"/>
-      </a:dk2>
-      <a:lt2>
-        <a:srgbClr val="808080"/>
-      </a:lt2>
-      <a:accent1>
-        <a:srgbClr val="BBE0E3"/>
-      </a:accent1>
-      <a:accent2>
-        <a:srgbClr val="333399"/>
-      </a:accent2>
-      <a:accent3>
-        <a:srgbClr val="FFFFFF"/>
-      </a:accent3>
-      <a:accent4>
-        <a:srgbClr val="000000"/>
-      </a:accent4>
-      <a:accent5>
-        <a:srgbClr val="DAEDEF"/>
-      </a:accent5>
-      <a:accent6>
-        <a:srgbClr val="2D2D8A"/>
-      </a:accent6>
-      <a:hlink>
-        <a:srgbClr val="009999"/>
-      </a:hlink>
-      <a:folHlink>
-        <a:srgbClr val="99CC00"/>
-      </a:folHlink>
-    </a:clrScheme>
-    <a:fontScheme name="Office">
-      <a:majorFont>
-        <a:latin typeface="Calibri"/>
-        <a:ea typeface=""/>
-        <a:cs typeface=""/>
-        <a:font script="Jpan" typeface="ＭＳ Ｐゴシック"/>
-        <a:font script="Hang" typeface="맑은 고딕"/>
-        <a:font script="Hans" typeface="宋体"/>
-        <a:font script="Hant" typeface="新細明體"/>
-        <a:font script="Arab" typeface="Times New Roman"/>
-        <a:font script="Hebr" typeface="Times New Roman"/>
-        <a:font script="Thai" typeface="Angsana New"/>
-        <a:font script="Ethi" typeface="Nyala"/>
-        <a:font script="Beng" typeface="Vrinda"/>
-        <a:font script="Gujr" typeface="Shruti"/>
-        <a:font script="Khmr" typeface="MoolBoran"/>
-        <a:font script="Knda" typeface="Tunga"/>
-        <a:font script="Guru" typeface="Raavi"/>
-        <a:font script="Cans" typeface="Euphemia"/>
-        <a:font script="Cher" typeface="Plantagenet Cherokee"/>
-        <a:font script="Yiii" typeface="Microsoft Yi Baiti"/>
-        <a:font script="Tibt" typeface="Microsoft Himalaya"/>
-        <a:font script="Thaa" typeface="MV Boli"/>
-        <a:font script="Deva" typeface="Mangal"/>
-        <a:font script="Telu" typeface="Gautami"/>
-        <a:font script="Taml" typeface="Latha"/>
-        <a:font script="Syrc" typeface="Estrangelo Edessa"/>
-        <a:font script="Orya" typeface="Kalinga"/>
-        <a:font script="Mlym" typeface="Kartika"/>
-        <a:font script="Laoo" typeface="DokChampa"/>
-        <a:font script="Sinh" typeface="Iskoola Pota"/>
-        <a:font script="Mong" typeface="Mongolian Baiti"/>
-        <a:font script="Viet" typeface="Times New Roman"/>
-        <a:font script="Uigh" typeface="Microsoft Uighur"/>
-      </a:majorFont>
-      <a:minorFont>
-        <a:latin typeface="Calibri"/>
-        <a:ea typeface=""/>
-        <a:cs typeface=""/>
-        <a:font script="Jpan" typeface="ＭＳ Ｐゴシック"/>
-        <a:font script="Hang" typeface="맑은 고딕"/>
-        <a:font script="Hans" typeface="宋体"/>
-        <a:font script="Hant" typeface="新細明體"/>
-        <a:font script="Arab" typeface="Arial"/>
-        <a:font script="Hebr" typeface="Arial"/>
-        <a:font script="Thai" typeface="Cordia New"/>
-        <a:font script="Ethi" typeface="Nyala"/>
-        <a:font script="Beng" typeface="Vrinda"/>
-        <a:font script="Gujr" typeface="Shruti"/>
-        <a:font script="Khmr" typeface="DaunPenh"/>
-        <a:font script="Knda" typeface="Tunga"/>
-        <a:font script="Guru" typeface="Raavi"/>
-        <a:font script="Cans" typeface="Euphemia"/>
-        <a:font script="Cher" typeface="Plantagenet Cherokee"/>
-        <a:font script="Yiii" typeface="Microsoft Yi Baiti"/>
-        <a:font script="Tibt" typeface="Microsoft Himalaya"/>
-        <a:font script="Thaa" typeface="MV Boli"/>
-        <a:font script="Deva" typeface="Mangal"/>
-        <a:font script="Telu" typeface="Gautami"/>
-        <a:font script="Taml" typeface="Latha"/>
-        <a:font script="Syrc" typeface="Estrangelo Edessa"/>
-        <a:font script="Orya" typeface="Kalinga"/>
-        <a:font script="Mlym" typeface="Kartika"/>
-        <a:font script="Laoo" typeface="DokChampa"/>
-        <a:font script="Sinh" typeface="Iskoola Pota"/>
-        <a:font script="Mong" typeface="Mongolian Baiti"/>
-        <a:font script="Viet" typeface="Arial"/>
-        <a:font script="Uigh" typeface="Microsoft Uighur"/>
-      </a:minorFont>
-    </a:fontScheme>
-    <a:fmtScheme name="Office">
-      <a:fillStyleLst>
-        <a:solidFill>
-          <a:schemeClr val="phClr"/>
-        </a:solidFill>
-        <a:gradFill rotWithShape="1">
-          <a:gsLst>
-            <a:gs pos="0">
-              <a:schemeClr val="phClr">
-                <a:tint val="50000"/>
-                <a:satMod val="300000"/>
-              </a:schemeClr>
-            </a:gs>
-            <a:gs pos="35000">
-              <a:schemeClr val="phClr">
-                <a:tint val="37000"/>
-                <a:satMod val="300000"/>
-              </a:schemeClr>
-            </a:gs>
-            <a:gs pos="100000">
-              <a:schemeClr val="phClr">
-                <a:tint val="15000"/>
-                <a:satMod val="350000"/>
-              </a:schemeClr>
-            </a:gs>
-          </a:gsLst>
-          <a:lin ang="16200000" scaled="1"/>
-        </a:gradFill>
-        <a:gradFill rotWithShape="1">
-          <a:gsLst>
-            <a:gs pos="0">
-              <a:schemeClr val="phClr">
-                <a:shade val="51000"/>
-                <a:satMod val="130000"/>
-              </a:schemeClr>
-            </a:gs>
-            <a:gs pos="80000">
-              <a:schemeClr val="phClr">
-                <a:shade val="93000"/>
-                <a:satMod val="130000"/>
-              </a:schemeClr>
-            </a:gs>
-            <a:gs pos="100000">
-              <a:schemeClr val="phClr">
-                <a:shade val="94000"/>
-                <a:satMod val="135000"/>
-              </a:schemeClr>
-            </a:gs>
-          </a:gsLst>
-          <a:lin ang="16200000" scaled="0"/>
-        </a:gradFill>
-      </a:fillStyleLst>
-      <a:lnStyleLst>
-        <a:ln w="9525" cap="flat" cmpd="sng" algn="ctr">
-          <a:solidFill>
-            <a:schemeClr val="phClr">
-              <a:shade val="95000"/>
-              <a:satMod val="105000"/>
-            </a:schemeClr>
-          </a:solidFill>
-          <a:prstDash val="solid"/>
-        </a:ln>
-        <a:ln w="25400" cap="flat" cmpd="sng" algn="ctr">
-          <a:solidFill>
-            <a:schemeClr val="phClr"/>
-          </a:solidFill>
-          <a:prstDash val="solid"/>
-        </a:ln>
-        <a:ln w="38100" cap="flat" cmpd="sng" algn="ctr">
-          <a:solidFill>
-            <a:schemeClr val="phClr"/>
-          </a:solidFill>
-          <a:prstDash val="solid"/>
-        </a:ln>
-      </a:lnStyleLst>
-      <a:effectStyleLst>
-        <a:effectStyle>
-          <a:effectLst>
-            <a:outerShdw blurRad="40000" dist="20000" dir="5400000" rotWithShape="0">
-              <a:srgbClr val="000000">
-                <a:alpha val="38000"/>
-              </a:srgbClr>
-            </a:outerShdw>
-          </a:effectLst>
-        </a:effectStyle>
-        <a:effectStyle>
-          <a:effectLst>
-            <a:outerShdw blurRad="40000" dist="23000" dir="5400000" rotWithShape="0">
-              <a:srgbClr val="000000">
-                <a:alpha val="35000"/>
-              </a:srgbClr>
-            </a:outerShdw>
-          </a:effectLst>
-        </a:effectStyle>
-        <a:effectStyle>
-          <a:effectLst>
-            <a:outerShdw blurRad="40000" dist="23000" dir="5400000" rotWithShape="0">
-              <a:srgbClr val="000000">
-                <a:alpha val="35000"/>
-              </a:srgbClr>
-            </a:outerShdw>
-          </a:effectLst>
-          <a:scene3d>
-            <a:camera prst="orthographicFront">
-              <a:rot lat="0" lon="0" rev="0"/>
-            </a:camera>
-            <a:lightRig rig="threePt" dir="t">
-              <a:rot lat="0" lon="0" rev="1200000"/>
-            </a:lightRig>
-          </a:scene3d>
-          <a:sp3d>
-            <a:bevelT w="63500" h="25400"/>
-          </a:sp3d>
-        </a:effectStyle>
-      </a:effectStyleLst>
-      <a:bgFillStyleLst>
-        <a:solidFill>
-          <a:schemeClr val="phClr"/>
-        </a:solidFill>
-        <a:gradFill rotWithShape="1">
-          <a:gsLst>
-            <a:gs pos="0">
-              <a:schemeClr val="phClr">
-                <a:tint val="40000"/>
-                <a:satMod val="350000"/>
-              </a:schemeClr>
-            </a:gs>
-            <a:gs pos="40000">
-              <a:schemeClr val="phClr">
-                <a:tint val="45000"/>
-                <a:shade val="99000"/>
-                <a:satMod val="350000"/>
-              </a:schemeClr>
-            </a:gs>
-            <a:gs pos="100000">
-              <a:schemeClr val="phClr">
-                <a:shade val="20000"/>
-                <a:satMod val="255000"/>
-              </a:schemeClr>
-            </a:gs>
-          </a:gsLst>
-          <a:path path="circle">
-            <a:fillToRect l="50000" t="-80000" r="50000" b="180000"/>
-          </a:path>
-        </a:gradFill>
-        <a:gradFill rotWithShape="1">
-          <a:gsLst>
-            <a:gs pos="0">
-              <a:schemeClr val="phClr">
-                <a:tint val="80000"/>
-                <a:satMod val="300000"/>
-              </a:schemeClr>
-            </a:gs>
-            <a:gs pos="100000">
-              <a:schemeClr val="phClr">
-                <a:shade val="30000"/>
-                <a:satMod val="200000"/>
-              </a:schemeClr>
-            </a:gs>
-          </a:gsLst>
-          <a:path path="circle">
-            <a:fillToRect l="50000" t="50000" r="50000" b="50000"/>
-          </a:path>
-        </a:gradFill>
-      </a:bgFillStyleLst>
-    </a:fmtScheme>
-  </a:themeElements>
-  <a:objectDefaults/>
-  <a:extraClrSchemeLst/>
-</a:theme>
 </file>